--- a/Star_Wars_Powerpoint.pptx
+++ b/Star_Wars_Powerpoint.pptx
@@ -13,8 +13,8 @@
     <p:sldId id="276" r:id="rId4"/>
     <p:sldId id="279" r:id="rId5"/>
     <p:sldId id="285" r:id="rId6"/>
-    <p:sldId id="282" r:id="rId7"/>
-    <p:sldId id="280" r:id="rId8"/>
+    <p:sldId id="280" r:id="rId7"/>
+    <p:sldId id="282" r:id="rId8"/>
     <p:sldId id="281" r:id="rId9"/>
     <p:sldId id="287" r:id="rId10"/>
     <p:sldId id="284" r:id="rId11"/>
@@ -983,7 +983,7 @@
           <a:p>
             <a:fld id="{9B65D266-4289-427C-9954-5DE0E48449AB}" type="datetimeFigureOut">
               <a:rPr lang="en-US" smtClean="0"/>
-              <a:t>3/11/2024</a:t>
+              <a:t>3/12/2024</a:t>
             </a:fld>
             <a:endParaRPr lang="en-US"/>
           </a:p>
@@ -19161,10 +19161,10 @@
         </p:nvGrpSpPr>
         <p:grpSpPr>
           <a:xfrm>
-            <a:off x="6886923" y="3875002"/>
-            <a:ext cx="3152651" cy="3715199"/>
-            <a:chOff x="5124590" y="4336516"/>
-            <a:chExt cx="2323668" cy="1611870"/>
+            <a:off x="6886923" y="3991829"/>
+            <a:ext cx="3152651" cy="3598373"/>
+            <a:chOff x="5124590" y="4387202"/>
+            <a:chExt cx="2323668" cy="1561184"/>
           </a:xfrm>
         </p:grpSpPr>
         <p:sp>
@@ -19315,47 +19315,6 @@
             </a:p>
           </p:txBody>
         </p:sp>
-        <p:cxnSp>
-          <p:nvCxnSpPr>
-            <p:cNvPr id="27" name="Straight Connector 26">
-              <a:extLst>
-                <a:ext uri="{FF2B5EF4-FFF2-40B4-BE49-F238E27FC236}">
-                  <a16:creationId xmlns:a16="http://schemas.microsoft.com/office/drawing/2014/main" id="{CCEA4586-F596-4B77-82FA-E268C9DF1FEA}"/>
-                </a:ext>
-              </a:extLst>
-            </p:cNvPr>
-            <p:cNvCxnSpPr/>
-            <p:nvPr/>
-          </p:nvCxnSpPr>
-          <p:spPr>
-            <a:xfrm>
-              <a:off x="6550208" y="4336516"/>
-              <a:ext cx="0" cy="344135"/>
-            </a:xfrm>
-            <a:prstGeom prst="line">
-              <a:avLst/>
-            </a:prstGeom>
-            <a:ln>
-              <a:solidFill>
-                <a:schemeClr val="bg1"/>
-              </a:solidFill>
-            </a:ln>
-          </p:spPr>
-          <p:style>
-            <a:lnRef idx="1">
-              <a:schemeClr val="accent1"/>
-            </a:lnRef>
-            <a:fillRef idx="0">
-              <a:schemeClr val="accent1"/>
-            </a:fillRef>
-            <a:effectRef idx="0">
-              <a:schemeClr val="accent1"/>
-            </a:effectRef>
-            <a:fontRef idx="minor">
-              <a:schemeClr val="tx1"/>
-            </a:fontRef>
-          </p:style>
-        </p:cxnSp>
         <p:sp>
           <p:nvSpPr>
             <p:cNvPr id="37" name="Rectangle 261">
@@ -30418,7 +30377,7 @@
         <p:spPr>
           <a:xfrm>
             <a:off x="2184615" y="1226080"/>
-            <a:ext cx="7924798" cy="2742289"/>
+            <a:ext cx="7924798" cy="3656386"/>
           </a:xfrm>
           <a:prstGeom prst="rect">
             <a:avLst/>
@@ -30437,7 +30396,24 @@
               </a:lnSpc>
             </a:pPr>
             <a:r>
-              <a:rPr lang="en-US" sz="6600" b="1" i="1" dirty="0">
+              <a:rPr lang="en-US" sz="6600" b="1" dirty="0">
+                <a:solidFill>
+                  <a:srgbClr val="FED06A"/>
+                </a:solidFill>
+                <a:latin typeface="Segoe UI" panose="020B0502040204020203" pitchFamily="34" charset="0"/>
+                <a:cs typeface="Segoe UI" panose="020B0502040204020203" pitchFamily="34" charset="0"/>
+              </a:rPr>
+              <a:t>PRESENTATION</a:t>
+            </a:r>
+          </a:p>
+          <a:p>
+            <a:pPr algn="ctr">
+              <a:lnSpc>
+                <a:spcPct val="90000"/>
+              </a:lnSpc>
+            </a:pPr>
+            <a:r>
+              <a:rPr lang="en-US" sz="6600" b="1" i="1" u="sng" dirty="0">
                 <a:solidFill>
                   <a:srgbClr val="FED06A"/>
                 </a:solidFill>
@@ -30454,7 +30430,7 @@
               </a:lnSpc>
             </a:pPr>
             <a:r>
-              <a:rPr lang="en-US" sz="6600" b="1" i="1" dirty="0">
+              <a:rPr lang="en-US" sz="6600" b="1" i="1" u="sng" dirty="0">
                 <a:solidFill>
                   <a:srgbClr val="FED06A"/>
                 </a:solidFill>
@@ -30674,7 +30650,7 @@
           <a:lstStyle/>
           <a:p>
             <a:r>
-              <a:rPr lang="en-US" sz="1600" dirty="0">
+              <a:rPr lang="en-US" sz="1600" b="1" dirty="0">
                 <a:solidFill>
                   <a:schemeClr val="bg1"/>
                 </a:solidFill>
@@ -31101,7 +31077,7 @@
           <a:lstStyle/>
           <a:p>
             <a:r>
-              <a:rPr lang="en-US" sz="1600" dirty="0">
+              <a:rPr lang="en-US" sz="1600" b="1" dirty="0">
                 <a:solidFill>
                   <a:schemeClr val="bg1"/>
                 </a:solidFill>
@@ -31528,7 +31504,7 @@
           <a:lstStyle/>
           <a:p>
             <a:r>
-              <a:rPr lang="en-US" sz="1600" dirty="0">
+              <a:rPr lang="en-US" sz="1600" b="1" dirty="0">
                 <a:solidFill>
                   <a:schemeClr val="bg1"/>
                 </a:solidFill>
@@ -31937,7 +31913,7 @@
         <p:spPr>
           <a:xfrm>
             <a:off x="9312268" y="4306358"/>
-            <a:ext cx="2544770" cy="738664"/>
+            <a:ext cx="2544770" cy="246221"/>
           </a:xfrm>
           <a:prstGeom prst="rect">
             <a:avLst/>
@@ -31955,36 +31931,13 @@
           <a:lstStyle/>
           <a:p>
             <a:r>
-              <a:rPr lang="en-US" sz="1600" dirty="0">
+              <a:rPr lang="en-US" sz="1600" b="1" dirty="0">
                 <a:solidFill>
                   <a:schemeClr val="bg1"/>
                 </a:solidFill>
               </a:rPr>
               <a:t>Stormtrooper in training</a:t>
             </a:r>
-          </a:p>
-          <a:p>
-            <a:r>
-              <a:rPr lang="en-US" sz="1600" dirty="0">
-                <a:solidFill>
-                  <a:schemeClr val="bg1"/>
-                </a:solidFill>
-              </a:rPr>
-              <a:t>The Force is not strong in his </a:t>
-            </a:r>
-            <a:r>
-              <a:rPr lang="en-US" sz="1600" dirty="0" err="1">
-                <a:solidFill>
-                  <a:schemeClr val="bg1"/>
-                </a:solidFill>
-              </a:rPr>
-              <a:t>Javascript</a:t>
-            </a:r>
-            <a:endParaRPr lang="en-US" sz="1600" dirty="0">
-              <a:solidFill>
-                <a:schemeClr val="bg1"/>
-              </a:solidFill>
-            </a:endParaRPr>
           </a:p>
         </p:txBody>
       </p:sp>
@@ -32622,6 +32575,36 @@
           </a:p>
         </p:txBody>
       </p:sp>
+      <p:pic>
+        <p:nvPicPr>
+          <p:cNvPr id="2" name="Picture 1">
+            <a:extLst>
+              <a:ext uri="{FF2B5EF4-FFF2-40B4-BE49-F238E27FC236}">
+                <a16:creationId xmlns:a16="http://schemas.microsoft.com/office/drawing/2014/main" id="{1661097A-5853-8A31-93C7-D224A1E5B7FE}"/>
+              </a:ext>
+            </a:extLst>
+          </p:cNvPr>
+          <p:cNvPicPr>
+            <a:picLocks noChangeAspect="1"/>
+          </p:cNvPicPr>
+          <p:nvPr/>
+        </p:nvPicPr>
+        <p:blipFill>
+          <a:blip r:embed="rId4"/>
+          <a:stretch>
+            <a:fillRect/>
+          </a:stretch>
+        </p:blipFill>
+        <p:spPr>
+          <a:xfrm>
+            <a:off x="9936380" y="2599370"/>
+            <a:ext cx="1786586" cy="893293"/>
+          </a:xfrm>
+          <a:prstGeom prst="rect">
+            <a:avLst/>
+          </a:prstGeom>
+        </p:spPr>
+      </p:pic>
     </p:spTree>
     <p:extLst>
       <p:ext uri="{BB962C8B-B14F-4D97-AF65-F5344CB8AC3E}">
@@ -34608,7 +34591,7 @@
                   <a:schemeClr val="bg1"/>
                 </a:solidFill>
               </a:rPr>
-              <a:t>Quick DBD</a:t>
+              <a:t>Quick DBD &amp; Moth Gideon link</a:t>
             </a:r>
           </a:p>
         </p:txBody>
@@ -34628,7 +34611,7 @@
         <p:spPr>
           <a:xfrm>
             <a:off x="334960" y="3488343"/>
-            <a:ext cx="3551240" cy="492443"/>
+            <a:ext cx="3551240" cy="738664"/>
           </a:xfrm>
           <a:prstGeom prst="rect">
             <a:avLst/>
@@ -34651,9 +34634,23 @@
                 <a:solidFill>
                   <a:schemeClr val="bg1"/>
                 </a:solidFill>
+                <a:hlinkClick r:id="rId7"/>
               </a:rPr>
               <a:t>https://24slides.com/templates/view/other/star-wars-themed-presentation</a:t>
             </a:r>
+            <a:endParaRPr lang="en-US" sz="1600" dirty="0">
+              <a:solidFill>
+                <a:schemeClr val="bg1"/>
+              </a:solidFill>
+            </a:endParaRPr>
+          </a:p>
+          <a:p>
+            <a:pPr algn="r"/>
+            <a:endParaRPr lang="en-US" sz="1600" dirty="0">
+              <a:solidFill>
+                <a:schemeClr val="bg1"/>
+              </a:solidFill>
+            </a:endParaRPr>
           </a:p>
         </p:txBody>
       </p:sp>
@@ -34672,7 +34669,7 @@
         <p:spPr>
           <a:xfrm>
             <a:off x="8305797" y="3488343"/>
-            <a:ext cx="3771184" cy="246221"/>
+            <a:ext cx="3771184" cy="984885"/>
           </a:xfrm>
           <a:prstGeom prst="rect">
             <a:avLst/>
@@ -34694,9 +34691,38 @@
                 <a:solidFill>
                   <a:schemeClr val="bg1"/>
                 </a:solidFill>
+                <a:hlinkClick r:id="rId8"/>
               </a:rPr>
               <a:t>https://www.quickdatabasediagrams.com/</a:t>
             </a:r>
+            <a:endParaRPr lang="en-US" sz="1600" dirty="0">
+              <a:solidFill>
+                <a:schemeClr val="bg1"/>
+              </a:solidFill>
+            </a:endParaRPr>
+          </a:p>
+          <a:p>
+            <a:r>
+              <a:rPr lang="en-US" sz="1600" dirty="0">
+                <a:solidFill>
+                  <a:schemeClr val="bg1"/>
+                </a:solidFill>
+                <a:hlinkClick r:id="rId9"/>
+              </a:rPr>
+              <a:t>https://www.themarysue.com/who-took-moff-gideon-answered/</a:t>
+            </a:r>
+            <a:endParaRPr lang="en-US" sz="1600" dirty="0">
+              <a:solidFill>
+                <a:schemeClr val="bg1"/>
+              </a:solidFill>
+            </a:endParaRPr>
+          </a:p>
+          <a:p>
+            <a:endParaRPr lang="en-US" sz="1600" dirty="0">
+              <a:solidFill>
+                <a:schemeClr val="bg1"/>
+              </a:solidFill>
+            </a:endParaRPr>
           </a:p>
         </p:txBody>
       </p:sp>
@@ -34759,7 +34785,7 @@
         <p:spPr>
           <a:xfrm>
             <a:off x="4320380" y="1735306"/>
-            <a:ext cx="3551240" cy="492443"/>
+            <a:ext cx="3551240" cy="984885"/>
           </a:xfrm>
           <a:prstGeom prst="rect">
             <a:avLst/>
@@ -34782,9 +34808,31 @@
                 <a:solidFill>
                   <a:schemeClr val="bg1"/>
                 </a:solidFill>
+                <a:hlinkClick r:id="rId10"/>
               </a:rPr>
               <a:t>https://github.com/jlym/node-express-graph-sample</a:t>
             </a:r>
+            <a:endParaRPr lang="en-US" sz="1600" dirty="0">
+              <a:solidFill>
+                <a:schemeClr val="bg1"/>
+              </a:solidFill>
+            </a:endParaRPr>
+          </a:p>
+          <a:p>
+            <a:pPr algn="ctr"/>
+            <a:endParaRPr lang="en-US" sz="1600" dirty="0">
+              <a:solidFill>
+                <a:schemeClr val="bg1"/>
+              </a:solidFill>
+            </a:endParaRPr>
+          </a:p>
+          <a:p>
+            <a:pPr algn="ctr"/>
+            <a:endParaRPr lang="en-US" sz="1600" dirty="0">
+              <a:solidFill>
+                <a:schemeClr val="bg1"/>
+              </a:solidFill>
+            </a:endParaRPr>
           </a:p>
         </p:txBody>
       </p:sp>
@@ -36138,7 +36186,7 @@
                 <a:solidFill>
                   <a:schemeClr val="bg1"/>
                 </a:solidFill>
-                <a:hlinkClick r:id="rId7">
+                <a:hlinkClick r:id="rId11">
                   <a:extLst>
                     <a:ext uri="{A12FA001-AC4F-418D-AE19-62706E023703}">
                       <ahyp:hlinkClr xmlns:ahyp="http://schemas.microsoft.com/office/drawing/2018/hyperlinkcolor" val="tx"/>
@@ -36174,7 +36222,7 @@
           <p:nvPr/>
         </p:nvPicPr>
         <p:blipFill>
-          <a:blip r:embed="rId8">
+          <a:blip r:embed="rId12">
             <a:extLst>
               <a:ext uri="{28A0092B-C50C-407E-A947-70E740481C1C}">
                 <a14:useLocalDpi xmlns:a14="http://schemas.microsoft.com/office/drawing/2010/main" val="0"/>
@@ -37690,6 +37738,1608 @@
 </file>
 
 <file path=ppt/slides/slide6.xml><?xml version="1.0" encoding="utf-8"?>
+<p:sld xmlns:a="http://schemas.openxmlformats.org/drawingml/2006/main" xmlns:r="http://schemas.openxmlformats.org/officeDocument/2006/relationships" xmlns:p="http://schemas.openxmlformats.org/presentationml/2006/main">
+  <p:cSld>
+    <p:spTree>
+      <p:nvGrpSpPr>
+        <p:cNvPr id="1" name=""/>
+        <p:cNvGrpSpPr/>
+        <p:nvPr/>
+      </p:nvGrpSpPr>
+      <p:grpSpPr>
+        <a:xfrm>
+          <a:off x="0" y="0"/>
+          <a:ext cx="0" cy="0"/>
+          <a:chOff x="0" y="0"/>
+          <a:chExt cx="0" cy="0"/>
+        </a:xfrm>
+      </p:grpSpPr>
+      <p:pic>
+        <p:nvPicPr>
+          <p:cNvPr id="24" name="Graphic 23">
+            <a:extLst>
+              <a:ext uri="{FF2B5EF4-FFF2-40B4-BE49-F238E27FC236}">
+                <a16:creationId xmlns:a16="http://schemas.microsoft.com/office/drawing/2014/main" id="{D4F978E0-A1F0-4122-B00C-3FDFCBD45A72}"/>
+              </a:ext>
+            </a:extLst>
+          </p:cNvPr>
+          <p:cNvPicPr>
+            <a:picLocks noChangeAspect="1"/>
+          </p:cNvPicPr>
+          <p:nvPr/>
+        </p:nvPicPr>
+        <p:blipFill>
+          <a:blip r:embed="rId2">
+            <a:extLst>
+              <a:ext uri="{96DAC541-7B7A-43D3-8B79-37D633B846F1}">
+                <asvg:svgBlip xmlns:asvg="http://schemas.microsoft.com/office/drawing/2016/SVG/main" r:embed="rId3"/>
+              </a:ext>
+            </a:extLst>
+          </a:blip>
+          <a:stretch>
+            <a:fillRect/>
+          </a:stretch>
+        </p:blipFill>
+        <p:spPr>
+          <a:xfrm>
+            <a:off x="5207" y="5029981"/>
+            <a:ext cx="12186793" cy="1828019"/>
+          </a:xfrm>
+          <a:prstGeom prst="rect">
+            <a:avLst/>
+          </a:prstGeom>
+        </p:spPr>
+      </p:pic>
+      <p:pic>
+        <p:nvPicPr>
+          <p:cNvPr id="27" name="Graphic 26">
+            <a:extLst>
+              <a:ext uri="{FF2B5EF4-FFF2-40B4-BE49-F238E27FC236}">
+                <a16:creationId xmlns:a16="http://schemas.microsoft.com/office/drawing/2014/main" id="{A20B3A85-0841-4AFF-94F8-E254ABA6869E}"/>
+              </a:ext>
+            </a:extLst>
+          </p:cNvPr>
+          <p:cNvPicPr>
+            <a:picLocks noChangeAspect="1"/>
+          </p:cNvPicPr>
+          <p:nvPr/>
+        </p:nvPicPr>
+        <p:blipFill>
+          <a:blip r:embed="rId4">
+            <a:extLst>
+              <a:ext uri="{96DAC541-7B7A-43D3-8B79-37D633B846F1}">
+                <asvg:svgBlip xmlns:asvg="http://schemas.microsoft.com/office/drawing/2016/SVG/main" r:embed="rId5"/>
+              </a:ext>
+            </a:extLst>
+          </a:blip>
+          <a:stretch>
+            <a:fillRect/>
+          </a:stretch>
+        </p:blipFill>
+        <p:spPr>
+          <a:xfrm>
+            <a:off x="775759" y="5373370"/>
+            <a:ext cx="9897546" cy="1484630"/>
+          </a:xfrm>
+          <a:prstGeom prst="rect">
+            <a:avLst/>
+          </a:prstGeom>
+        </p:spPr>
+      </p:pic>
+      <p:sp>
+        <p:nvSpPr>
+          <p:cNvPr id="28" name="Rectangle 27">
+            <a:extLst>
+              <a:ext uri="{FF2B5EF4-FFF2-40B4-BE49-F238E27FC236}">
+                <a16:creationId xmlns:a16="http://schemas.microsoft.com/office/drawing/2014/main" id="{917D4F8A-0637-49EE-811F-E68AF2145AFD}"/>
+              </a:ext>
+            </a:extLst>
+          </p:cNvPr>
+          <p:cNvSpPr/>
+          <p:nvPr/>
+        </p:nvSpPr>
+        <p:spPr>
+          <a:xfrm>
+            <a:off x="0" y="6794674"/>
+            <a:ext cx="12192000" cy="63326"/>
+          </a:xfrm>
+          <a:prstGeom prst="rect">
+            <a:avLst/>
+          </a:prstGeom>
+          <a:solidFill>
+            <a:srgbClr val="14111D"/>
+          </a:solidFill>
+          <a:ln>
+            <a:noFill/>
+          </a:ln>
+        </p:spPr>
+        <p:style>
+          <a:lnRef idx="2">
+            <a:schemeClr val="accent1">
+              <a:shade val="50000"/>
+            </a:schemeClr>
+          </a:lnRef>
+          <a:fillRef idx="1">
+            <a:schemeClr val="accent1"/>
+          </a:fillRef>
+          <a:effectRef idx="0">
+            <a:schemeClr val="accent1"/>
+          </a:effectRef>
+          <a:fontRef idx="minor">
+            <a:schemeClr val="lt1"/>
+          </a:fontRef>
+        </p:style>
+        <p:txBody>
+          <a:bodyPr rtlCol="0" anchor="ctr"/>
+          <a:lstStyle/>
+          <a:p>
+            <a:pPr algn="ctr"/>
+            <a:endParaRPr lang="en-US"/>
+          </a:p>
+        </p:txBody>
+      </p:sp>
+      <p:sp>
+        <p:nvSpPr>
+          <p:cNvPr id="8" name="Title 7">
+            <a:extLst>
+              <a:ext uri="{FF2B5EF4-FFF2-40B4-BE49-F238E27FC236}">
+                <a16:creationId xmlns:a16="http://schemas.microsoft.com/office/drawing/2014/main" id="{568504CE-2886-4F14-8663-7730FD23291D}"/>
+              </a:ext>
+            </a:extLst>
+          </p:cNvPr>
+          <p:cNvSpPr>
+            <a:spLocks noGrp="1"/>
+          </p:cNvSpPr>
+          <p:nvPr>
+            <p:ph type="title"/>
+          </p:nvPr>
+        </p:nvSpPr>
+        <p:spPr>
+          <a:xfrm>
+            <a:off x="421226" y="380577"/>
+            <a:ext cx="11522076" cy="498598"/>
+          </a:xfrm>
+        </p:spPr>
+        <p:txBody>
+          <a:bodyPr/>
+          <a:lstStyle/>
+          <a:p>
+            <a:r>
+              <a:rPr lang="en-US" dirty="0"/>
+              <a:t>Entity Relationship Diagram</a:t>
+            </a:r>
+          </a:p>
+        </p:txBody>
+      </p:sp>
+      <p:graphicFrame>
+        <p:nvGraphicFramePr>
+          <p:cNvPr id="4" name="Content Placeholder 3">
+            <a:extLst>
+              <a:ext uri="{FF2B5EF4-FFF2-40B4-BE49-F238E27FC236}">
+                <a16:creationId xmlns:a16="http://schemas.microsoft.com/office/drawing/2014/main" id="{34069A16-23D2-47D6-A9E4-4A422008CB46}"/>
+              </a:ext>
+            </a:extLst>
+          </p:cNvPr>
+          <p:cNvGraphicFramePr>
+            <a:graphicFrameLocks noGrp="1"/>
+          </p:cNvGraphicFramePr>
+          <p:nvPr>
+            <p:ph idx="1"/>
+            <p:extLst>
+              <p:ext uri="{D42A27DB-BD31-4B8C-83A1-F6EECF244321}">
+                <p14:modId xmlns:p14="http://schemas.microsoft.com/office/powerpoint/2010/main" val="2346072369"/>
+              </p:ext>
+            </p:extLst>
+          </p:nvPr>
+        </p:nvGraphicFramePr>
+        <p:xfrm>
+          <a:off x="334962" y="1304925"/>
+          <a:ext cx="4351337" cy="4802188"/>
+        </p:xfrm>
+        <a:graphic>
+          <a:graphicData uri="http://schemas.openxmlformats.org/drawingml/2006/chart">
+            <c:chart xmlns:c="http://schemas.openxmlformats.org/drawingml/2006/chart" xmlns:r="http://schemas.openxmlformats.org/officeDocument/2006/relationships" r:id="rId6"/>
+          </a:graphicData>
+        </a:graphic>
+      </p:graphicFrame>
+      <p:sp>
+        <p:nvSpPr>
+          <p:cNvPr id="10" name="Slide Number Placeholder 9">
+            <a:extLst>
+              <a:ext uri="{FF2B5EF4-FFF2-40B4-BE49-F238E27FC236}">
+                <a16:creationId xmlns:a16="http://schemas.microsoft.com/office/drawing/2014/main" id="{6A8C2D05-C0E2-4FB9-8868-AA99B369ACC5}"/>
+              </a:ext>
+            </a:extLst>
+          </p:cNvPr>
+          <p:cNvSpPr>
+            <a:spLocks noGrp="1"/>
+          </p:cNvSpPr>
+          <p:nvPr>
+            <p:ph type="sldNum" sz="quarter" idx="12"/>
+          </p:nvPr>
+        </p:nvSpPr>
+        <p:spPr/>
+        <p:txBody>
+          <a:bodyPr/>
+          <a:lstStyle/>
+          <a:p>
+            <a:fld id="{14ED2C52-F4A6-44CA-8A9F-48318319496E}" type="slidenum">
+              <a:rPr lang="en-US" smtClean="0"/>
+              <a:t>6</a:t>
+            </a:fld>
+            <a:endParaRPr lang="en-US"/>
+          </a:p>
+        </p:txBody>
+      </p:sp>
+      <p:sp>
+        <p:nvSpPr>
+          <p:cNvPr id="19" name="TextBox 18">
+            <a:extLst>
+              <a:ext uri="{FF2B5EF4-FFF2-40B4-BE49-F238E27FC236}">
+                <a16:creationId xmlns:a16="http://schemas.microsoft.com/office/drawing/2014/main" id="{146EC0AA-4F31-4E6E-B774-B1D601335738}"/>
+              </a:ext>
+            </a:extLst>
+          </p:cNvPr>
+          <p:cNvSpPr txBox="1"/>
+          <p:nvPr/>
+        </p:nvSpPr>
+        <p:spPr>
+          <a:xfrm>
+            <a:off x="6457950" y="1843494"/>
+            <a:ext cx="5399087" cy="553998"/>
+          </a:xfrm>
+          <a:prstGeom prst="rect">
+            <a:avLst/>
+          </a:prstGeom>
+          <a:noFill/>
+          <a:ln w="6350">
+            <a:noFill/>
+            <a:prstDash val="dash"/>
+          </a:ln>
+        </p:spPr>
+        <p:txBody>
+          <a:bodyPr wrap="square" lIns="0" tIns="0" rIns="0" bIns="0" rtlCol="0">
+            <a:spAutoFit/>
+          </a:bodyPr>
+          <a:lstStyle/>
+          <a:p>
+            <a:r>
+              <a:rPr lang="en-US" dirty="0">
+                <a:solidFill>
+                  <a:schemeClr val="bg1"/>
+                </a:solidFill>
+              </a:rPr>
+              <a:t>Lorem ipsum dolor sit </a:t>
+            </a:r>
+            <a:r>
+              <a:rPr lang="en-US" dirty="0" err="1">
+                <a:solidFill>
+                  <a:schemeClr val="bg1"/>
+                </a:solidFill>
+              </a:rPr>
+              <a:t>amet</a:t>
+            </a:r>
+            <a:r>
+              <a:rPr lang="en-US" dirty="0">
+                <a:solidFill>
+                  <a:schemeClr val="bg1"/>
+                </a:solidFill>
+              </a:rPr>
+              <a:t>, </a:t>
+            </a:r>
+            <a:r>
+              <a:rPr lang="en-US" dirty="0" err="1">
+                <a:solidFill>
+                  <a:schemeClr val="bg1"/>
+                </a:solidFill>
+              </a:rPr>
+              <a:t>consectetur</a:t>
+            </a:r>
+            <a:r>
+              <a:rPr lang="en-US" dirty="0">
+                <a:solidFill>
+                  <a:schemeClr val="bg1"/>
+                </a:solidFill>
+              </a:rPr>
+              <a:t> </a:t>
+            </a:r>
+            <a:r>
+              <a:rPr lang="en-US" dirty="0" err="1">
+                <a:solidFill>
+                  <a:schemeClr val="bg1"/>
+                </a:solidFill>
+              </a:rPr>
+              <a:t>adipiscing</a:t>
+            </a:r>
+            <a:r>
+              <a:rPr lang="en-US" dirty="0">
+                <a:solidFill>
+                  <a:schemeClr val="bg1"/>
+                </a:solidFill>
+              </a:rPr>
+              <a:t> </a:t>
+            </a:r>
+            <a:r>
+              <a:rPr lang="en-US" dirty="0" err="1">
+                <a:solidFill>
+                  <a:schemeClr val="bg1"/>
+                </a:solidFill>
+              </a:rPr>
+              <a:t>elit</a:t>
+            </a:r>
+            <a:r>
+              <a:rPr lang="en-US" dirty="0">
+                <a:solidFill>
+                  <a:schemeClr val="bg1"/>
+                </a:solidFill>
+              </a:rPr>
+              <a:t>, sed do </a:t>
+            </a:r>
+            <a:r>
+              <a:rPr lang="en-US" dirty="0" err="1">
+                <a:solidFill>
+                  <a:schemeClr val="bg1"/>
+                </a:solidFill>
+              </a:rPr>
+              <a:t>eiusmod</a:t>
+            </a:r>
+            <a:r>
+              <a:rPr lang="en-US" dirty="0">
+                <a:solidFill>
+                  <a:schemeClr val="bg1"/>
+                </a:solidFill>
+              </a:rPr>
+              <a:t> </a:t>
+            </a:r>
+            <a:r>
+              <a:rPr lang="en-US" dirty="0" err="1">
+                <a:solidFill>
+                  <a:schemeClr val="bg1"/>
+                </a:solidFill>
+              </a:rPr>
+              <a:t>tempor</a:t>
+            </a:r>
+            <a:r>
+              <a:rPr lang="en-US" dirty="0">
+                <a:solidFill>
+                  <a:schemeClr val="bg1"/>
+                </a:solidFill>
+              </a:rPr>
+              <a:t> </a:t>
+            </a:r>
+            <a:r>
+              <a:rPr lang="en-US" dirty="0" err="1">
+                <a:solidFill>
+                  <a:schemeClr val="bg1"/>
+                </a:solidFill>
+              </a:rPr>
+              <a:t>incididunt</a:t>
+            </a:r>
+            <a:r>
+              <a:rPr lang="en-US" dirty="0">
+                <a:solidFill>
+                  <a:schemeClr val="bg1"/>
+                </a:solidFill>
+              </a:rPr>
+              <a:t> </a:t>
+            </a:r>
+            <a:r>
+              <a:rPr lang="en-US" dirty="0" err="1">
+                <a:solidFill>
+                  <a:schemeClr val="bg1"/>
+                </a:solidFill>
+              </a:rPr>
+              <a:t>ut</a:t>
+            </a:r>
+            <a:r>
+              <a:rPr lang="en-US" dirty="0">
+                <a:solidFill>
+                  <a:schemeClr val="bg1"/>
+                </a:solidFill>
+              </a:rPr>
+              <a:t> </a:t>
+            </a:r>
+            <a:r>
+              <a:rPr lang="en-US" dirty="0" err="1">
+                <a:solidFill>
+                  <a:schemeClr val="bg1"/>
+                </a:solidFill>
+              </a:rPr>
+              <a:t>labore</a:t>
+            </a:r>
+            <a:endParaRPr lang="en-US" dirty="0">
+              <a:solidFill>
+                <a:schemeClr val="bg1"/>
+              </a:solidFill>
+            </a:endParaRPr>
+          </a:p>
+        </p:txBody>
+      </p:sp>
+      <p:sp>
+        <p:nvSpPr>
+          <p:cNvPr id="23" name="TextBox 22">
+            <a:extLst>
+              <a:ext uri="{FF2B5EF4-FFF2-40B4-BE49-F238E27FC236}">
+                <a16:creationId xmlns:a16="http://schemas.microsoft.com/office/drawing/2014/main" id="{3355CCCD-C973-4505-B6CE-A598B2640AFE}"/>
+              </a:ext>
+            </a:extLst>
+          </p:cNvPr>
+          <p:cNvSpPr txBox="1"/>
+          <p:nvPr/>
+        </p:nvSpPr>
+        <p:spPr>
+          <a:xfrm>
+            <a:off x="6457950" y="3429020"/>
+            <a:ext cx="5399087" cy="553998"/>
+          </a:xfrm>
+          <a:prstGeom prst="rect">
+            <a:avLst/>
+          </a:prstGeom>
+          <a:noFill/>
+          <a:ln w="6350">
+            <a:noFill/>
+            <a:prstDash val="dash"/>
+          </a:ln>
+        </p:spPr>
+        <p:txBody>
+          <a:bodyPr wrap="square" lIns="0" tIns="0" rIns="0" bIns="0" rtlCol="0">
+            <a:spAutoFit/>
+          </a:bodyPr>
+          <a:lstStyle/>
+          <a:p>
+            <a:r>
+              <a:rPr lang="en-US" dirty="0">
+                <a:solidFill>
+                  <a:schemeClr val="bg1"/>
+                </a:solidFill>
+              </a:rPr>
+              <a:t>Lorem ipsum dolor sit </a:t>
+            </a:r>
+            <a:r>
+              <a:rPr lang="en-US" dirty="0" err="1">
+                <a:solidFill>
+                  <a:schemeClr val="bg1"/>
+                </a:solidFill>
+              </a:rPr>
+              <a:t>amet</a:t>
+            </a:r>
+            <a:r>
+              <a:rPr lang="en-US" dirty="0">
+                <a:solidFill>
+                  <a:schemeClr val="bg1"/>
+                </a:solidFill>
+              </a:rPr>
+              <a:t>, </a:t>
+            </a:r>
+            <a:r>
+              <a:rPr lang="en-US" dirty="0" err="1">
+                <a:solidFill>
+                  <a:schemeClr val="bg1"/>
+                </a:solidFill>
+              </a:rPr>
+              <a:t>consectetur</a:t>
+            </a:r>
+            <a:r>
+              <a:rPr lang="en-US" dirty="0">
+                <a:solidFill>
+                  <a:schemeClr val="bg1"/>
+                </a:solidFill>
+              </a:rPr>
+              <a:t> </a:t>
+            </a:r>
+            <a:r>
+              <a:rPr lang="en-US" dirty="0" err="1">
+                <a:solidFill>
+                  <a:schemeClr val="bg1"/>
+                </a:solidFill>
+              </a:rPr>
+              <a:t>adipiscing</a:t>
+            </a:r>
+            <a:r>
+              <a:rPr lang="en-US" dirty="0">
+                <a:solidFill>
+                  <a:schemeClr val="bg1"/>
+                </a:solidFill>
+              </a:rPr>
+              <a:t> </a:t>
+            </a:r>
+            <a:r>
+              <a:rPr lang="en-US" dirty="0" err="1">
+                <a:solidFill>
+                  <a:schemeClr val="bg1"/>
+                </a:solidFill>
+              </a:rPr>
+              <a:t>elit</a:t>
+            </a:r>
+            <a:r>
+              <a:rPr lang="en-US" dirty="0">
+                <a:solidFill>
+                  <a:schemeClr val="bg1"/>
+                </a:solidFill>
+              </a:rPr>
+              <a:t>, sed do </a:t>
+            </a:r>
+            <a:r>
+              <a:rPr lang="en-US" dirty="0" err="1">
+                <a:solidFill>
+                  <a:schemeClr val="bg1"/>
+                </a:solidFill>
+              </a:rPr>
+              <a:t>eiusmod</a:t>
+            </a:r>
+            <a:r>
+              <a:rPr lang="en-US" dirty="0">
+                <a:solidFill>
+                  <a:schemeClr val="bg1"/>
+                </a:solidFill>
+              </a:rPr>
+              <a:t> </a:t>
+            </a:r>
+            <a:r>
+              <a:rPr lang="en-US" dirty="0" err="1">
+                <a:solidFill>
+                  <a:schemeClr val="bg1"/>
+                </a:solidFill>
+              </a:rPr>
+              <a:t>tempor</a:t>
+            </a:r>
+            <a:r>
+              <a:rPr lang="en-US" dirty="0">
+                <a:solidFill>
+                  <a:schemeClr val="bg1"/>
+                </a:solidFill>
+              </a:rPr>
+              <a:t> </a:t>
+            </a:r>
+            <a:r>
+              <a:rPr lang="en-US" dirty="0" err="1">
+                <a:solidFill>
+                  <a:schemeClr val="bg1"/>
+                </a:solidFill>
+              </a:rPr>
+              <a:t>incididunt</a:t>
+            </a:r>
+            <a:r>
+              <a:rPr lang="en-US" dirty="0">
+                <a:solidFill>
+                  <a:schemeClr val="bg1"/>
+                </a:solidFill>
+              </a:rPr>
+              <a:t> </a:t>
+            </a:r>
+            <a:r>
+              <a:rPr lang="en-US" dirty="0" err="1">
+                <a:solidFill>
+                  <a:schemeClr val="bg1"/>
+                </a:solidFill>
+              </a:rPr>
+              <a:t>ut</a:t>
+            </a:r>
+            <a:r>
+              <a:rPr lang="en-US" dirty="0">
+                <a:solidFill>
+                  <a:schemeClr val="bg1"/>
+                </a:solidFill>
+              </a:rPr>
+              <a:t> </a:t>
+            </a:r>
+            <a:r>
+              <a:rPr lang="en-US" dirty="0" err="1">
+                <a:solidFill>
+                  <a:schemeClr val="bg1"/>
+                </a:solidFill>
+              </a:rPr>
+              <a:t>labore</a:t>
+            </a:r>
+            <a:endParaRPr lang="en-US" dirty="0">
+              <a:solidFill>
+                <a:schemeClr val="bg1"/>
+              </a:solidFill>
+            </a:endParaRPr>
+          </a:p>
+        </p:txBody>
+      </p:sp>
+      <p:sp>
+        <p:nvSpPr>
+          <p:cNvPr id="31" name="Oval 30">
+            <a:extLst>
+              <a:ext uri="{FF2B5EF4-FFF2-40B4-BE49-F238E27FC236}">
+                <a16:creationId xmlns:a16="http://schemas.microsoft.com/office/drawing/2014/main" id="{01AAEB7B-71F7-43F4-B33F-AFA8506815E2}"/>
+              </a:ext>
+            </a:extLst>
+          </p:cNvPr>
+          <p:cNvSpPr/>
+          <p:nvPr/>
+        </p:nvSpPr>
+        <p:spPr>
+          <a:xfrm>
+            <a:off x="5081994" y="1630363"/>
+            <a:ext cx="980260" cy="980260"/>
+          </a:xfrm>
+          <a:prstGeom prst="ellipse">
+            <a:avLst/>
+          </a:prstGeom>
+          <a:solidFill>
+            <a:schemeClr val="bg2"/>
+          </a:solidFill>
+          <a:ln>
+            <a:noFill/>
+          </a:ln>
+          <a:effectLst>
+            <a:outerShdw blurRad="355600" dist="12700" dir="5400000" algn="t" rotWithShape="0">
+              <a:schemeClr val="bg2">
+                <a:alpha val="48000"/>
+              </a:schemeClr>
+            </a:outerShdw>
+          </a:effectLst>
+        </p:spPr>
+        <p:txBody>
+          <a:bodyPr vert="horz" wrap="square" lIns="91440" tIns="45720" rIns="91440" bIns="45720" numCol="1" anchor="ctr" anchorCtr="0" compatLnSpc="1">
+            <a:prstTxWarp prst="textNoShape">
+              <a:avLst/>
+            </a:prstTxWarp>
+          </a:bodyPr>
+          <a:lstStyle/>
+          <a:p>
+            <a:endParaRPr lang="en-US" sz="1600">
+              <a:solidFill>
+                <a:schemeClr val="bg1"/>
+              </a:solidFill>
+            </a:endParaRPr>
+          </a:p>
+        </p:txBody>
+      </p:sp>
+      <p:sp>
+        <p:nvSpPr>
+          <p:cNvPr id="32" name="Oval 31">
+            <a:extLst>
+              <a:ext uri="{FF2B5EF4-FFF2-40B4-BE49-F238E27FC236}">
+                <a16:creationId xmlns:a16="http://schemas.microsoft.com/office/drawing/2014/main" id="{01134497-D222-4CA2-BD4D-460EB6FFF7C5}"/>
+              </a:ext>
+            </a:extLst>
+          </p:cNvPr>
+          <p:cNvSpPr/>
+          <p:nvPr/>
+        </p:nvSpPr>
+        <p:spPr>
+          <a:xfrm>
+            <a:off x="5081994" y="3215889"/>
+            <a:ext cx="980260" cy="980260"/>
+          </a:xfrm>
+          <a:prstGeom prst="ellipse">
+            <a:avLst/>
+          </a:prstGeom>
+          <a:solidFill>
+            <a:schemeClr val="bg2"/>
+          </a:solidFill>
+          <a:ln>
+            <a:noFill/>
+          </a:ln>
+          <a:effectLst>
+            <a:outerShdw blurRad="355600" dist="12700" dir="5400000" algn="t" rotWithShape="0">
+              <a:schemeClr val="bg2">
+                <a:alpha val="48000"/>
+              </a:schemeClr>
+            </a:outerShdw>
+          </a:effectLst>
+        </p:spPr>
+        <p:txBody>
+          <a:bodyPr vert="horz" wrap="square" lIns="91440" tIns="45720" rIns="91440" bIns="45720" numCol="1" anchor="ctr" anchorCtr="0" compatLnSpc="1">
+            <a:prstTxWarp prst="textNoShape">
+              <a:avLst/>
+            </a:prstTxWarp>
+          </a:bodyPr>
+          <a:lstStyle/>
+          <a:p>
+            <a:endParaRPr lang="en-US" sz="1600">
+              <a:solidFill>
+                <a:schemeClr val="bg1"/>
+              </a:solidFill>
+            </a:endParaRPr>
+          </a:p>
+        </p:txBody>
+      </p:sp>
+      <p:sp>
+        <p:nvSpPr>
+          <p:cNvPr id="33" name="Oval 32">
+            <a:extLst>
+              <a:ext uri="{FF2B5EF4-FFF2-40B4-BE49-F238E27FC236}">
+                <a16:creationId xmlns:a16="http://schemas.microsoft.com/office/drawing/2014/main" id="{ED833EAA-D166-4EA8-A3B8-B4FF86FE5FD0}"/>
+              </a:ext>
+            </a:extLst>
+          </p:cNvPr>
+          <p:cNvSpPr/>
+          <p:nvPr/>
+        </p:nvSpPr>
+        <p:spPr>
+          <a:xfrm>
+            <a:off x="5081994" y="4801415"/>
+            <a:ext cx="980260" cy="980260"/>
+          </a:xfrm>
+          <a:prstGeom prst="ellipse">
+            <a:avLst/>
+          </a:prstGeom>
+          <a:solidFill>
+            <a:schemeClr val="bg2"/>
+          </a:solidFill>
+          <a:ln>
+            <a:noFill/>
+          </a:ln>
+          <a:effectLst>
+            <a:outerShdw blurRad="355600" dist="12700" dir="5400000" algn="t" rotWithShape="0">
+              <a:schemeClr val="bg2">
+                <a:alpha val="48000"/>
+              </a:schemeClr>
+            </a:outerShdw>
+          </a:effectLst>
+        </p:spPr>
+        <p:txBody>
+          <a:bodyPr vert="horz" wrap="square" lIns="91440" tIns="45720" rIns="91440" bIns="45720" numCol="1" anchor="ctr" anchorCtr="0" compatLnSpc="1">
+            <a:prstTxWarp prst="textNoShape">
+              <a:avLst/>
+            </a:prstTxWarp>
+          </a:bodyPr>
+          <a:lstStyle/>
+          <a:p>
+            <a:endParaRPr lang="en-US" sz="1600">
+              <a:solidFill>
+                <a:schemeClr val="bg1"/>
+              </a:solidFill>
+            </a:endParaRPr>
+          </a:p>
+        </p:txBody>
+      </p:sp>
+      <p:sp>
+        <p:nvSpPr>
+          <p:cNvPr id="7" name="Oval 6">
+            <a:extLst>
+              <a:ext uri="{FF2B5EF4-FFF2-40B4-BE49-F238E27FC236}">
+                <a16:creationId xmlns:a16="http://schemas.microsoft.com/office/drawing/2014/main" id="{06175750-BD6E-4EF8-9F9F-CC7F072F0C3C}"/>
+              </a:ext>
+            </a:extLst>
+          </p:cNvPr>
+          <p:cNvSpPr/>
+          <p:nvPr/>
+        </p:nvSpPr>
+        <p:spPr>
+          <a:xfrm>
+            <a:off x="5238748" y="1787117"/>
+            <a:ext cx="666752" cy="666752"/>
+          </a:xfrm>
+          <a:prstGeom prst="ellipse">
+            <a:avLst/>
+          </a:prstGeom>
+          <a:ln>
+            <a:noFill/>
+          </a:ln>
+          <a:effectLst>
+            <a:outerShdw blurRad="38100" dist="50800" dir="2700000" algn="tl" rotWithShape="0">
+              <a:prstClr val="black">
+                <a:alpha val="25000"/>
+              </a:prstClr>
+            </a:outerShdw>
+          </a:effectLst>
+        </p:spPr>
+        <p:style>
+          <a:lnRef idx="2">
+            <a:schemeClr val="accent1">
+              <a:shade val="50000"/>
+            </a:schemeClr>
+          </a:lnRef>
+          <a:fillRef idx="1">
+            <a:schemeClr val="accent1"/>
+          </a:fillRef>
+          <a:effectRef idx="0">
+            <a:schemeClr val="accent1"/>
+          </a:effectRef>
+          <a:fontRef idx="minor">
+            <a:schemeClr val="lt1"/>
+          </a:fontRef>
+        </p:style>
+        <p:txBody>
+          <a:bodyPr rtlCol="0" anchor="ctr"/>
+          <a:lstStyle/>
+          <a:p>
+            <a:pPr algn="ctr"/>
+            <a:endParaRPr lang="en-US"/>
+          </a:p>
+        </p:txBody>
+      </p:sp>
+      <p:sp>
+        <p:nvSpPr>
+          <p:cNvPr id="22" name="Oval 21">
+            <a:extLst>
+              <a:ext uri="{FF2B5EF4-FFF2-40B4-BE49-F238E27FC236}">
+                <a16:creationId xmlns:a16="http://schemas.microsoft.com/office/drawing/2014/main" id="{5F44A9CE-829C-460D-B061-7644B21A733E}"/>
+              </a:ext>
+            </a:extLst>
+          </p:cNvPr>
+          <p:cNvSpPr/>
+          <p:nvPr/>
+        </p:nvSpPr>
+        <p:spPr>
+          <a:xfrm>
+            <a:off x="5238748" y="3372643"/>
+            <a:ext cx="666752" cy="666752"/>
+          </a:xfrm>
+          <a:prstGeom prst="ellipse">
+            <a:avLst/>
+          </a:prstGeom>
+          <a:solidFill>
+            <a:srgbClr val="FEBA22"/>
+          </a:solidFill>
+          <a:ln>
+            <a:noFill/>
+          </a:ln>
+          <a:effectLst>
+            <a:outerShdw blurRad="38100" dist="50800" dir="2700000" algn="tl" rotWithShape="0">
+              <a:prstClr val="black">
+                <a:alpha val="25000"/>
+              </a:prstClr>
+            </a:outerShdw>
+          </a:effectLst>
+        </p:spPr>
+        <p:style>
+          <a:lnRef idx="2">
+            <a:schemeClr val="accent1">
+              <a:shade val="50000"/>
+            </a:schemeClr>
+          </a:lnRef>
+          <a:fillRef idx="1">
+            <a:schemeClr val="accent1"/>
+          </a:fillRef>
+          <a:effectRef idx="0">
+            <a:schemeClr val="accent1"/>
+          </a:effectRef>
+          <a:fontRef idx="minor">
+            <a:schemeClr val="lt1"/>
+          </a:fontRef>
+        </p:style>
+        <p:txBody>
+          <a:bodyPr rtlCol="0" anchor="ctr"/>
+          <a:lstStyle/>
+          <a:p>
+            <a:pPr algn="ctr"/>
+            <a:endParaRPr lang="en-US"/>
+          </a:p>
+        </p:txBody>
+      </p:sp>
+      <p:sp>
+        <p:nvSpPr>
+          <p:cNvPr id="25" name="Oval 24">
+            <a:extLst>
+              <a:ext uri="{FF2B5EF4-FFF2-40B4-BE49-F238E27FC236}">
+                <a16:creationId xmlns:a16="http://schemas.microsoft.com/office/drawing/2014/main" id="{CEA61E20-FD1B-4C82-9007-6795D777F1E1}"/>
+              </a:ext>
+            </a:extLst>
+          </p:cNvPr>
+          <p:cNvSpPr/>
+          <p:nvPr/>
+        </p:nvSpPr>
+        <p:spPr>
+          <a:xfrm>
+            <a:off x="5238748" y="4958169"/>
+            <a:ext cx="666752" cy="666752"/>
+          </a:xfrm>
+          <a:prstGeom prst="ellipse">
+            <a:avLst/>
+          </a:prstGeom>
+          <a:solidFill>
+            <a:srgbClr val="D59301"/>
+          </a:solidFill>
+          <a:ln>
+            <a:noFill/>
+          </a:ln>
+          <a:effectLst>
+            <a:outerShdw blurRad="38100" dist="50800" dir="2700000" algn="tl" rotWithShape="0">
+              <a:prstClr val="black">
+                <a:alpha val="25000"/>
+              </a:prstClr>
+            </a:outerShdw>
+          </a:effectLst>
+        </p:spPr>
+        <p:style>
+          <a:lnRef idx="2">
+            <a:schemeClr val="accent1">
+              <a:shade val="50000"/>
+            </a:schemeClr>
+          </a:lnRef>
+          <a:fillRef idx="1">
+            <a:schemeClr val="accent1"/>
+          </a:fillRef>
+          <a:effectRef idx="0">
+            <a:schemeClr val="accent1"/>
+          </a:effectRef>
+          <a:fontRef idx="minor">
+            <a:schemeClr val="lt1"/>
+          </a:fontRef>
+        </p:style>
+        <p:txBody>
+          <a:bodyPr rtlCol="0" anchor="ctr"/>
+          <a:lstStyle/>
+          <a:p>
+            <a:pPr algn="ctr"/>
+            <a:endParaRPr lang="en-US"/>
+          </a:p>
+        </p:txBody>
+      </p:sp>
+      <p:sp>
+        <p:nvSpPr>
+          <p:cNvPr id="26" name="TextBox 25">
+            <a:extLst>
+              <a:ext uri="{FF2B5EF4-FFF2-40B4-BE49-F238E27FC236}">
+                <a16:creationId xmlns:a16="http://schemas.microsoft.com/office/drawing/2014/main" id="{5C8F0B66-AABB-4502-8C60-7EC2A019BE82}"/>
+              </a:ext>
+            </a:extLst>
+          </p:cNvPr>
+          <p:cNvSpPr txBox="1"/>
+          <p:nvPr/>
+        </p:nvSpPr>
+        <p:spPr>
+          <a:xfrm>
+            <a:off x="6457950" y="5014546"/>
+            <a:ext cx="5399087" cy="553998"/>
+          </a:xfrm>
+          <a:prstGeom prst="rect">
+            <a:avLst/>
+          </a:prstGeom>
+          <a:noFill/>
+          <a:ln w="6350">
+            <a:noFill/>
+            <a:prstDash val="dash"/>
+          </a:ln>
+        </p:spPr>
+        <p:txBody>
+          <a:bodyPr wrap="square" lIns="0" tIns="0" rIns="0" bIns="0" rtlCol="0">
+            <a:spAutoFit/>
+          </a:bodyPr>
+          <a:lstStyle/>
+          <a:p>
+            <a:r>
+              <a:rPr lang="en-US" dirty="0">
+                <a:solidFill>
+                  <a:schemeClr val="bg1"/>
+                </a:solidFill>
+              </a:rPr>
+              <a:t>Lorem ipsum dolor sit </a:t>
+            </a:r>
+            <a:r>
+              <a:rPr lang="en-US" dirty="0" err="1">
+                <a:solidFill>
+                  <a:schemeClr val="bg1"/>
+                </a:solidFill>
+              </a:rPr>
+              <a:t>amet</a:t>
+            </a:r>
+            <a:r>
+              <a:rPr lang="en-US" dirty="0">
+                <a:solidFill>
+                  <a:schemeClr val="bg1"/>
+                </a:solidFill>
+              </a:rPr>
+              <a:t>, </a:t>
+            </a:r>
+            <a:r>
+              <a:rPr lang="en-US" dirty="0" err="1">
+                <a:solidFill>
+                  <a:schemeClr val="bg1"/>
+                </a:solidFill>
+              </a:rPr>
+              <a:t>consectetur</a:t>
+            </a:r>
+            <a:r>
+              <a:rPr lang="en-US" dirty="0">
+                <a:solidFill>
+                  <a:schemeClr val="bg1"/>
+                </a:solidFill>
+              </a:rPr>
+              <a:t> </a:t>
+            </a:r>
+            <a:r>
+              <a:rPr lang="en-US" dirty="0" err="1">
+                <a:solidFill>
+                  <a:schemeClr val="bg1"/>
+                </a:solidFill>
+              </a:rPr>
+              <a:t>adipiscing</a:t>
+            </a:r>
+            <a:r>
+              <a:rPr lang="en-US" dirty="0">
+                <a:solidFill>
+                  <a:schemeClr val="bg1"/>
+                </a:solidFill>
+              </a:rPr>
+              <a:t> </a:t>
+            </a:r>
+            <a:r>
+              <a:rPr lang="en-US" dirty="0" err="1">
+                <a:solidFill>
+                  <a:schemeClr val="bg1"/>
+                </a:solidFill>
+              </a:rPr>
+              <a:t>elit</a:t>
+            </a:r>
+            <a:r>
+              <a:rPr lang="en-US" dirty="0">
+                <a:solidFill>
+                  <a:schemeClr val="bg1"/>
+                </a:solidFill>
+              </a:rPr>
+              <a:t>, sed do </a:t>
+            </a:r>
+            <a:r>
+              <a:rPr lang="en-US" dirty="0" err="1">
+                <a:solidFill>
+                  <a:schemeClr val="bg1"/>
+                </a:solidFill>
+              </a:rPr>
+              <a:t>eiusmod</a:t>
+            </a:r>
+            <a:r>
+              <a:rPr lang="en-US" dirty="0">
+                <a:solidFill>
+                  <a:schemeClr val="bg1"/>
+                </a:solidFill>
+              </a:rPr>
+              <a:t> </a:t>
+            </a:r>
+            <a:r>
+              <a:rPr lang="en-US" dirty="0" err="1">
+                <a:solidFill>
+                  <a:schemeClr val="bg1"/>
+                </a:solidFill>
+              </a:rPr>
+              <a:t>tempor</a:t>
+            </a:r>
+            <a:r>
+              <a:rPr lang="en-US" dirty="0">
+                <a:solidFill>
+                  <a:schemeClr val="bg1"/>
+                </a:solidFill>
+              </a:rPr>
+              <a:t> </a:t>
+            </a:r>
+            <a:r>
+              <a:rPr lang="en-US" dirty="0" err="1">
+                <a:solidFill>
+                  <a:schemeClr val="bg1"/>
+                </a:solidFill>
+              </a:rPr>
+              <a:t>incididunt</a:t>
+            </a:r>
+            <a:r>
+              <a:rPr lang="en-US" dirty="0">
+                <a:solidFill>
+                  <a:schemeClr val="bg1"/>
+                </a:solidFill>
+              </a:rPr>
+              <a:t> </a:t>
+            </a:r>
+            <a:r>
+              <a:rPr lang="en-US" dirty="0" err="1">
+                <a:solidFill>
+                  <a:schemeClr val="bg1"/>
+                </a:solidFill>
+              </a:rPr>
+              <a:t>ut</a:t>
+            </a:r>
+            <a:r>
+              <a:rPr lang="en-US" dirty="0">
+                <a:solidFill>
+                  <a:schemeClr val="bg1"/>
+                </a:solidFill>
+              </a:rPr>
+              <a:t> </a:t>
+            </a:r>
+            <a:r>
+              <a:rPr lang="en-US" dirty="0" err="1">
+                <a:solidFill>
+                  <a:schemeClr val="bg1"/>
+                </a:solidFill>
+              </a:rPr>
+              <a:t>labore</a:t>
+            </a:r>
+            <a:endParaRPr lang="en-US" dirty="0">
+              <a:solidFill>
+                <a:schemeClr val="bg1"/>
+              </a:solidFill>
+            </a:endParaRPr>
+          </a:p>
+        </p:txBody>
+      </p:sp>
+      <p:grpSp>
+        <p:nvGrpSpPr>
+          <p:cNvPr id="34" name="Group 33">
+            <a:extLst>
+              <a:ext uri="{FF2B5EF4-FFF2-40B4-BE49-F238E27FC236}">
+                <a16:creationId xmlns:a16="http://schemas.microsoft.com/office/drawing/2014/main" id="{7210D8C1-A120-4F01-AA77-43E6C063DFED}"/>
+              </a:ext>
+            </a:extLst>
+          </p:cNvPr>
+          <p:cNvGrpSpPr/>
+          <p:nvPr/>
+        </p:nvGrpSpPr>
+        <p:grpSpPr>
+          <a:xfrm>
+            <a:off x="6457950" y="2913256"/>
+            <a:ext cx="5157886" cy="1585526"/>
+            <a:chOff x="6096000" y="2913256"/>
+            <a:chExt cx="5519836" cy="1585526"/>
+          </a:xfrm>
+        </p:grpSpPr>
+        <p:cxnSp>
+          <p:nvCxnSpPr>
+            <p:cNvPr id="29" name="Straight Connector 28">
+              <a:extLst>
+                <a:ext uri="{FF2B5EF4-FFF2-40B4-BE49-F238E27FC236}">
+                  <a16:creationId xmlns:a16="http://schemas.microsoft.com/office/drawing/2014/main" id="{D039AE05-0CBA-4779-A780-085616C02DBF}"/>
+                </a:ext>
+              </a:extLst>
+            </p:cNvPr>
+            <p:cNvCxnSpPr/>
+            <p:nvPr/>
+          </p:nvCxnSpPr>
+          <p:spPr>
+            <a:xfrm>
+              <a:off x="6096000" y="2913256"/>
+              <a:ext cx="5519836" cy="0"/>
+            </a:xfrm>
+            <a:prstGeom prst="line">
+              <a:avLst/>
+            </a:prstGeom>
+            <a:ln>
+              <a:solidFill>
+                <a:schemeClr val="bg1"/>
+              </a:solidFill>
+              <a:prstDash val="dash"/>
+            </a:ln>
+          </p:spPr>
+          <p:style>
+            <a:lnRef idx="1">
+              <a:schemeClr val="accent1"/>
+            </a:lnRef>
+            <a:fillRef idx="0">
+              <a:schemeClr val="accent1"/>
+            </a:fillRef>
+            <a:effectRef idx="0">
+              <a:schemeClr val="accent1"/>
+            </a:effectRef>
+            <a:fontRef idx="minor">
+              <a:schemeClr val="tx1"/>
+            </a:fontRef>
+          </p:style>
+        </p:cxnSp>
+        <p:cxnSp>
+          <p:nvCxnSpPr>
+            <p:cNvPr id="30" name="Straight Connector 29">
+              <a:extLst>
+                <a:ext uri="{FF2B5EF4-FFF2-40B4-BE49-F238E27FC236}">
+                  <a16:creationId xmlns:a16="http://schemas.microsoft.com/office/drawing/2014/main" id="{FDDE0FAD-508B-413A-B766-C0864FDC4FC2}"/>
+                </a:ext>
+              </a:extLst>
+            </p:cNvPr>
+            <p:cNvCxnSpPr/>
+            <p:nvPr/>
+          </p:nvCxnSpPr>
+          <p:spPr>
+            <a:xfrm>
+              <a:off x="6096000" y="4498782"/>
+              <a:ext cx="5519836" cy="0"/>
+            </a:xfrm>
+            <a:prstGeom prst="line">
+              <a:avLst/>
+            </a:prstGeom>
+            <a:ln>
+              <a:solidFill>
+                <a:schemeClr val="bg1"/>
+              </a:solidFill>
+              <a:prstDash val="dash"/>
+            </a:ln>
+          </p:spPr>
+          <p:style>
+            <a:lnRef idx="1">
+              <a:schemeClr val="accent1"/>
+            </a:lnRef>
+            <a:fillRef idx="0">
+              <a:schemeClr val="accent1"/>
+            </a:fillRef>
+            <a:effectRef idx="0">
+              <a:schemeClr val="accent1"/>
+            </a:effectRef>
+            <a:fontRef idx="minor">
+              <a:schemeClr val="tx1"/>
+            </a:fontRef>
+          </p:style>
+        </p:cxnSp>
+      </p:grpSp>
+      <p:sp>
+        <p:nvSpPr>
+          <p:cNvPr id="2" name="Arrow: Chevron 1">
+            <a:extLst>
+              <a:ext uri="{FF2B5EF4-FFF2-40B4-BE49-F238E27FC236}">
+                <a16:creationId xmlns:a16="http://schemas.microsoft.com/office/drawing/2014/main" id="{52A4C8F2-2518-4C6E-961F-DC29AC2C5B5E}"/>
+              </a:ext>
+            </a:extLst>
+          </p:cNvPr>
+          <p:cNvSpPr/>
+          <p:nvPr/>
+        </p:nvSpPr>
+        <p:spPr>
+          <a:xfrm>
+            <a:off x="5456517" y="2004886"/>
+            <a:ext cx="231215" cy="231215"/>
+          </a:xfrm>
+          <a:prstGeom prst="chevron">
+            <a:avLst>
+              <a:gd name="adj" fmla="val 68832"/>
+            </a:avLst>
+          </a:prstGeom>
+          <a:solidFill>
+            <a:schemeClr val="bg1"/>
+          </a:solidFill>
+          <a:ln>
+            <a:noFill/>
+          </a:ln>
+        </p:spPr>
+        <p:style>
+          <a:lnRef idx="2">
+            <a:schemeClr val="accent1">
+              <a:shade val="50000"/>
+            </a:schemeClr>
+          </a:lnRef>
+          <a:fillRef idx="1">
+            <a:schemeClr val="accent1"/>
+          </a:fillRef>
+          <a:effectRef idx="0">
+            <a:schemeClr val="accent1"/>
+          </a:effectRef>
+          <a:fontRef idx="minor">
+            <a:schemeClr val="lt1"/>
+          </a:fontRef>
+        </p:style>
+        <p:txBody>
+          <a:bodyPr rtlCol="0" anchor="ctr"/>
+          <a:lstStyle/>
+          <a:p>
+            <a:pPr algn="ctr"/>
+            <a:endParaRPr lang="en-US">
+              <a:solidFill>
+                <a:schemeClr val="tx1"/>
+              </a:solidFill>
+            </a:endParaRPr>
+          </a:p>
+        </p:txBody>
+      </p:sp>
+      <p:sp>
+        <p:nvSpPr>
+          <p:cNvPr id="35" name="Arrow: Chevron 34">
+            <a:extLst>
+              <a:ext uri="{FF2B5EF4-FFF2-40B4-BE49-F238E27FC236}">
+                <a16:creationId xmlns:a16="http://schemas.microsoft.com/office/drawing/2014/main" id="{1E783045-2C2B-47C0-8A62-2109E14EA72D}"/>
+              </a:ext>
+            </a:extLst>
+          </p:cNvPr>
+          <p:cNvSpPr/>
+          <p:nvPr/>
+        </p:nvSpPr>
+        <p:spPr>
+          <a:xfrm>
+            <a:off x="5456517" y="3590412"/>
+            <a:ext cx="231215" cy="231215"/>
+          </a:xfrm>
+          <a:prstGeom prst="chevron">
+            <a:avLst>
+              <a:gd name="adj" fmla="val 68832"/>
+            </a:avLst>
+          </a:prstGeom>
+          <a:solidFill>
+            <a:schemeClr val="bg1"/>
+          </a:solidFill>
+          <a:ln>
+            <a:noFill/>
+          </a:ln>
+        </p:spPr>
+        <p:style>
+          <a:lnRef idx="2">
+            <a:schemeClr val="accent1">
+              <a:shade val="50000"/>
+            </a:schemeClr>
+          </a:lnRef>
+          <a:fillRef idx="1">
+            <a:schemeClr val="accent1"/>
+          </a:fillRef>
+          <a:effectRef idx="0">
+            <a:schemeClr val="accent1"/>
+          </a:effectRef>
+          <a:fontRef idx="minor">
+            <a:schemeClr val="lt1"/>
+          </a:fontRef>
+        </p:style>
+        <p:txBody>
+          <a:bodyPr rtlCol="0" anchor="ctr"/>
+          <a:lstStyle/>
+          <a:p>
+            <a:pPr algn="ctr"/>
+            <a:endParaRPr lang="en-US">
+              <a:solidFill>
+                <a:schemeClr val="tx1"/>
+              </a:solidFill>
+            </a:endParaRPr>
+          </a:p>
+        </p:txBody>
+      </p:sp>
+      <p:sp>
+        <p:nvSpPr>
+          <p:cNvPr id="36" name="Arrow: Chevron 35">
+            <a:extLst>
+              <a:ext uri="{FF2B5EF4-FFF2-40B4-BE49-F238E27FC236}">
+                <a16:creationId xmlns:a16="http://schemas.microsoft.com/office/drawing/2014/main" id="{63DA53E5-5795-43D6-892C-7B784E63AE5F}"/>
+              </a:ext>
+            </a:extLst>
+          </p:cNvPr>
+          <p:cNvSpPr/>
+          <p:nvPr/>
+        </p:nvSpPr>
+        <p:spPr>
+          <a:xfrm>
+            <a:off x="5456517" y="5175938"/>
+            <a:ext cx="231215" cy="231215"/>
+          </a:xfrm>
+          <a:prstGeom prst="chevron">
+            <a:avLst>
+              <a:gd name="adj" fmla="val 68832"/>
+            </a:avLst>
+          </a:prstGeom>
+          <a:solidFill>
+            <a:schemeClr val="bg1"/>
+          </a:solidFill>
+          <a:ln>
+            <a:noFill/>
+          </a:ln>
+        </p:spPr>
+        <p:style>
+          <a:lnRef idx="2">
+            <a:schemeClr val="accent1">
+              <a:shade val="50000"/>
+            </a:schemeClr>
+          </a:lnRef>
+          <a:fillRef idx="1">
+            <a:schemeClr val="accent1"/>
+          </a:fillRef>
+          <a:effectRef idx="0">
+            <a:schemeClr val="accent1"/>
+          </a:effectRef>
+          <a:fontRef idx="minor">
+            <a:schemeClr val="lt1"/>
+          </a:fontRef>
+        </p:style>
+        <p:txBody>
+          <a:bodyPr rtlCol="0" anchor="ctr"/>
+          <a:lstStyle/>
+          <a:p>
+            <a:pPr algn="ctr"/>
+            <a:endParaRPr lang="en-US">
+              <a:solidFill>
+                <a:schemeClr val="tx1"/>
+              </a:solidFill>
+            </a:endParaRPr>
+          </a:p>
+        </p:txBody>
+      </p:sp>
+      <p:sp>
+        <p:nvSpPr>
+          <p:cNvPr id="37" name="Oval 36">
+            <a:extLst>
+              <a:ext uri="{FF2B5EF4-FFF2-40B4-BE49-F238E27FC236}">
+                <a16:creationId xmlns:a16="http://schemas.microsoft.com/office/drawing/2014/main" id="{21E526F9-D9D8-45E6-AA9D-EF7D861F8DA6}"/>
+              </a:ext>
+            </a:extLst>
+          </p:cNvPr>
+          <p:cNvSpPr/>
+          <p:nvPr/>
+        </p:nvSpPr>
+        <p:spPr>
+          <a:xfrm>
+            <a:off x="1667345" y="2862734"/>
+            <a:ext cx="1686572" cy="1686572"/>
+          </a:xfrm>
+          <a:prstGeom prst="ellipse">
+            <a:avLst/>
+          </a:prstGeom>
+          <a:solidFill>
+            <a:schemeClr val="bg2"/>
+          </a:solidFill>
+          <a:ln>
+            <a:noFill/>
+          </a:ln>
+          <a:effectLst>
+            <a:outerShdw blurRad="355600" dist="12700" dir="5400000" algn="t" rotWithShape="0">
+              <a:schemeClr val="bg2">
+                <a:alpha val="48000"/>
+              </a:schemeClr>
+            </a:outerShdw>
+          </a:effectLst>
+        </p:spPr>
+        <p:txBody>
+          <a:bodyPr vert="horz" wrap="square" lIns="91440" tIns="45720" rIns="91440" bIns="45720" numCol="1" anchor="ctr" anchorCtr="0" compatLnSpc="1">
+            <a:prstTxWarp prst="textNoShape">
+              <a:avLst/>
+            </a:prstTxWarp>
+          </a:bodyPr>
+          <a:lstStyle/>
+          <a:p>
+            <a:endParaRPr lang="en-US" sz="1600">
+              <a:solidFill>
+                <a:schemeClr val="bg1"/>
+              </a:solidFill>
+            </a:endParaRPr>
+          </a:p>
+        </p:txBody>
+      </p:sp>
+      <p:pic>
+        <p:nvPicPr>
+          <p:cNvPr id="16" name="Graphic 15">
+            <a:extLst>
+              <a:ext uri="{FF2B5EF4-FFF2-40B4-BE49-F238E27FC236}">
+                <a16:creationId xmlns:a16="http://schemas.microsoft.com/office/drawing/2014/main" id="{45D62242-3A5F-43AE-A223-6116758818BC}"/>
+              </a:ext>
+            </a:extLst>
+          </p:cNvPr>
+          <p:cNvPicPr>
+            <a:picLocks noChangeAspect="1"/>
+          </p:cNvPicPr>
+          <p:nvPr/>
+        </p:nvPicPr>
+        <p:blipFill>
+          <a:blip r:embed="rId7">
+            <a:extLst>
+              <a:ext uri="{96DAC541-7B7A-43D3-8B79-37D633B846F1}">
+                <asvg:svgBlip xmlns:asvg="http://schemas.microsoft.com/office/drawing/2016/SVG/main" r:embed="rId8"/>
+              </a:ext>
+            </a:extLst>
+          </a:blip>
+          <a:stretch>
+            <a:fillRect/>
+          </a:stretch>
+        </p:blipFill>
+        <p:spPr>
+          <a:xfrm>
+            <a:off x="2077845" y="3318005"/>
+            <a:ext cx="865572" cy="776030"/>
+          </a:xfrm>
+          <a:prstGeom prst="rect">
+            <a:avLst/>
+          </a:prstGeom>
+        </p:spPr>
+      </p:pic>
+      <p:sp>
+        <p:nvSpPr>
+          <p:cNvPr id="38" name="TextBox 37">
+            <a:extLst>
+              <a:ext uri="{FF2B5EF4-FFF2-40B4-BE49-F238E27FC236}">
+                <a16:creationId xmlns:a16="http://schemas.microsoft.com/office/drawing/2014/main" id="{5509F8F4-C67E-4343-B2BD-A553A4537ECB}"/>
+              </a:ext>
+            </a:extLst>
+          </p:cNvPr>
+          <p:cNvSpPr txBox="1"/>
+          <p:nvPr/>
+        </p:nvSpPr>
+        <p:spPr>
+          <a:xfrm>
+            <a:off x="334962" y="6566370"/>
+            <a:ext cx="6280612" cy="161776"/>
+          </a:xfrm>
+          <a:prstGeom prst="rect">
+            <a:avLst/>
+          </a:prstGeom>
+          <a:noFill/>
+        </p:spPr>
+        <p:txBody>
+          <a:bodyPr wrap="square" lIns="0" tIns="0" rIns="0" bIns="0" rtlCol="0" anchor="t">
+            <a:spAutoFit/>
+          </a:bodyPr>
+          <a:lstStyle/>
+          <a:p>
+            <a:pPr lvl="0">
+              <a:lnSpc>
+                <a:spcPct val="150000"/>
+              </a:lnSpc>
+              <a:spcBef>
+                <a:spcPts val="1000"/>
+              </a:spcBef>
+              <a:buClr>
+                <a:srgbClr val="0B2340"/>
+              </a:buClr>
+              <a:buSzPts val="1800"/>
+              <a:defRPr/>
+            </a:pPr>
+            <a:r>
+              <a:rPr lang="en-US" sz="800" kern="0" dirty="0">
+                <a:solidFill>
+                  <a:schemeClr val="bg1"/>
+                </a:solidFill>
+                <a:ea typeface="Lato"/>
+                <a:cs typeface="Lato" panose="020F0502020204030203" pitchFamily="34" charset="0"/>
+                <a:sym typeface="Lato"/>
+              </a:rPr>
+              <a:t>Credit to : </a:t>
+            </a:r>
+            <a:r>
+              <a:rPr lang="en-US" sz="800" dirty="0">
+                <a:solidFill>
+                  <a:schemeClr val="bg1"/>
+                </a:solidFill>
+                <a:hlinkClick r:id="rId9">
+                  <a:extLst>
+                    <a:ext uri="{A12FA001-AC4F-418D-AE19-62706E023703}">
+                      <ahyp:hlinkClr xmlns:ahyp="http://schemas.microsoft.com/office/drawing/2018/hyperlinkcolor" val="tx"/>
+                    </a:ext>
+                  </a:extLst>
+                </a:hlinkClick>
+              </a:rPr>
+              <a:t>https://www.behance.net/diegocarbonell</a:t>
+            </a:r>
+            <a:endParaRPr lang="en-US" sz="800" kern="0" dirty="0">
+              <a:solidFill>
+                <a:schemeClr val="bg1"/>
+              </a:solidFill>
+              <a:ea typeface="Lato"/>
+              <a:cs typeface="Lato" panose="020F0502020204030203" pitchFamily="34" charset="0"/>
+              <a:sym typeface="Lato"/>
+            </a:endParaRPr>
+          </a:p>
+        </p:txBody>
+      </p:sp>
+      <p:pic>
+        <p:nvPicPr>
+          <p:cNvPr id="5" name="Picture 4" descr="A screenshot of a computer&#10;&#10;Description automatically generated">
+            <a:extLst>
+              <a:ext uri="{FF2B5EF4-FFF2-40B4-BE49-F238E27FC236}">
+                <a16:creationId xmlns:a16="http://schemas.microsoft.com/office/drawing/2014/main" id="{3FC66E9C-161D-8581-66D1-1B05A94DC967}"/>
+              </a:ext>
+            </a:extLst>
+          </p:cNvPr>
+          <p:cNvPicPr>
+            <a:picLocks noChangeAspect="1"/>
+          </p:cNvPicPr>
+          <p:nvPr/>
+        </p:nvPicPr>
+        <p:blipFill>
+          <a:blip r:embed="rId10">
+            <a:extLst>
+              <a:ext uri="{28A0092B-C50C-407E-A947-70E740481C1C}">
+                <a14:useLocalDpi xmlns:a14="http://schemas.microsoft.com/office/drawing/2010/main" val="0"/>
+              </a:ext>
+            </a:extLst>
+          </a:blip>
+          <a:stretch>
+            <a:fillRect/>
+          </a:stretch>
+        </p:blipFill>
+        <p:spPr>
+          <a:xfrm>
+            <a:off x="4811541" y="1404024"/>
+            <a:ext cx="7045496" cy="4852621"/>
+          </a:xfrm>
+          <a:prstGeom prst="rect">
+            <a:avLst/>
+          </a:prstGeom>
+        </p:spPr>
+      </p:pic>
+    </p:spTree>
+    <p:extLst>
+      <p:ext uri="{BB962C8B-B14F-4D97-AF65-F5344CB8AC3E}">
+        <p14:creationId xmlns:p14="http://schemas.microsoft.com/office/powerpoint/2010/main" val="3020213875"/>
+      </p:ext>
+    </p:extLst>
+  </p:cSld>
+  <p:clrMapOvr>
+    <a:masterClrMapping/>
+  </p:clrMapOvr>
+</p:sld>
+</file>
+
+<file path=ppt/slides/slide7.xml><?xml version="1.0" encoding="utf-8"?>
 <p:sld xmlns:a="http://schemas.openxmlformats.org/drawingml/2006/main" xmlns:r="http://schemas.openxmlformats.org/officeDocument/2006/relationships" xmlns:p="http://schemas.openxmlformats.org/presentationml/2006/main">
   <p:cSld>
     <p:spTree>
@@ -42758,7 +44408,7 @@
           <a:p>
             <a:r>
               <a:rPr lang="en-US" dirty="0"/>
-              <a:t>6</a:t>
+              <a:t>7</a:t>
             </a:r>
           </a:p>
         </p:txBody>
@@ -44323,1608 +45973,6 @@
 </p:sld>
 </file>
 
-<file path=ppt/slides/slide7.xml><?xml version="1.0" encoding="utf-8"?>
-<p:sld xmlns:a="http://schemas.openxmlformats.org/drawingml/2006/main" xmlns:r="http://schemas.openxmlformats.org/officeDocument/2006/relationships" xmlns:p="http://schemas.openxmlformats.org/presentationml/2006/main">
-  <p:cSld>
-    <p:spTree>
-      <p:nvGrpSpPr>
-        <p:cNvPr id="1" name=""/>
-        <p:cNvGrpSpPr/>
-        <p:nvPr/>
-      </p:nvGrpSpPr>
-      <p:grpSpPr>
-        <a:xfrm>
-          <a:off x="0" y="0"/>
-          <a:ext cx="0" cy="0"/>
-          <a:chOff x="0" y="0"/>
-          <a:chExt cx="0" cy="0"/>
-        </a:xfrm>
-      </p:grpSpPr>
-      <p:pic>
-        <p:nvPicPr>
-          <p:cNvPr id="24" name="Graphic 23">
-            <a:extLst>
-              <a:ext uri="{FF2B5EF4-FFF2-40B4-BE49-F238E27FC236}">
-                <a16:creationId xmlns:a16="http://schemas.microsoft.com/office/drawing/2014/main" id="{D4F978E0-A1F0-4122-B00C-3FDFCBD45A72}"/>
-              </a:ext>
-            </a:extLst>
-          </p:cNvPr>
-          <p:cNvPicPr>
-            <a:picLocks noChangeAspect="1"/>
-          </p:cNvPicPr>
-          <p:nvPr/>
-        </p:nvPicPr>
-        <p:blipFill>
-          <a:blip r:embed="rId2">
-            <a:extLst>
-              <a:ext uri="{96DAC541-7B7A-43D3-8B79-37D633B846F1}">
-                <asvg:svgBlip xmlns:asvg="http://schemas.microsoft.com/office/drawing/2016/SVG/main" r:embed="rId3"/>
-              </a:ext>
-            </a:extLst>
-          </a:blip>
-          <a:stretch>
-            <a:fillRect/>
-          </a:stretch>
-        </p:blipFill>
-        <p:spPr>
-          <a:xfrm>
-            <a:off x="5207" y="5029981"/>
-            <a:ext cx="12186793" cy="1828019"/>
-          </a:xfrm>
-          <a:prstGeom prst="rect">
-            <a:avLst/>
-          </a:prstGeom>
-        </p:spPr>
-      </p:pic>
-      <p:pic>
-        <p:nvPicPr>
-          <p:cNvPr id="27" name="Graphic 26">
-            <a:extLst>
-              <a:ext uri="{FF2B5EF4-FFF2-40B4-BE49-F238E27FC236}">
-                <a16:creationId xmlns:a16="http://schemas.microsoft.com/office/drawing/2014/main" id="{A20B3A85-0841-4AFF-94F8-E254ABA6869E}"/>
-              </a:ext>
-            </a:extLst>
-          </p:cNvPr>
-          <p:cNvPicPr>
-            <a:picLocks noChangeAspect="1"/>
-          </p:cNvPicPr>
-          <p:nvPr/>
-        </p:nvPicPr>
-        <p:blipFill>
-          <a:blip r:embed="rId4">
-            <a:extLst>
-              <a:ext uri="{96DAC541-7B7A-43D3-8B79-37D633B846F1}">
-                <asvg:svgBlip xmlns:asvg="http://schemas.microsoft.com/office/drawing/2016/SVG/main" r:embed="rId5"/>
-              </a:ext>
-            </a:extLst>
-          </a:blip>
-          <a:stretch>
-            <a:fillRect/>
-          </a:stretch>
-        </p:blipFill>
-        <p:spPr>
-          <a:xfrm>
-            <a:off x="775759" y="5373370"/>
-            <a:ext cx="9897546" cy="1484630"/>
-          </a:xfrm>
-          <a:prstGeom prst="rect">
-            <a:avLst/>
-          </a:prstGeom>
-        </p:spPr>
-      </p:pic>
-      <p:sp>
-        <p:nvSpPr>
-          <p:cNvPr id="28" name="Rectangle 27">
-            <a:extLst>
-              <a:ext uri="{FF2B5EF4-FFF2-40B4-BE49-F238E27FC236}">
-                <a16:creationId xmlns:a16="http://schemas.microsoft.com/office/drawing/2014/main" id="{917D4F8A-0637-49EE-811F-E68AF2145AFD}"/>
-              </a:ext>
-            </a:extLst>
-          </p:cNvPr>
-          <p:cNvSpPr/>
-          <p:nvPr/>
-        </p:nvSpPr>
-        <p:spPr>
-          <a:xfrm>
-            <a:off x="0" y="6794674"/>
-            <a:ext cx="12192000" cy="63326"/>
-          </a:xfrm>
-          <a:prstGeom prst="rect">
-            <a:avLst/>
-          </a:prstGeom>
-          <a:solidFill>
-            <a:srgbClr val="14111D"/>
-          </a:solidFill>
-          <a:ln>
-            <a:noFill/>
-          </a:ln>
-        </p:spPr>
-        <p:style>
-          <a:lnRef idx="2">
-            <a:schemeClr val="accent1">
-              <a:shade val="50000"/>
-            </a:schemeClr>
-          </a:lnRef>
-          <a:fillRef idx="1">
-            <a:schemeClr val="accent1"/>
-          </a:fillRef>
-          <a:effectRef idx="0">
-            <a:schemeClr val="accent1"/>
-          </a:effectRef>
-          <a:fontRef idx="minor">
-            <a:schemeClr val="lt1"/>
-          </a:fontRef>
-        </p:style>
-        <p:txBody>
-          <a:bodyPr rtlCol="0" anchor="ctr"/>
-          <a:lstStyle/>
-          <a:p>
-            <a:pPr algn="ctr"/>
-            <a:endParaRPr lang="en-US"/>
-          </a:p>
-        </p:txBody>
-      </p:sp>
-      <p:sp>
-        <p:nvSpPr>
-          <p:cNvPr id="8" name="Title 7">
-            <a:extLst>
-              <a:ext uri="{FF2B5EF4-FFF2-40B4-BE49-F238E27FC236}">
-                <a16:creationId xmlns:a16="http://schemas.microsoft.com/office/drawing/2014/main" id="{568504CE-2886-4F14-8663-7730FD23291D}"/>
-              </a:ext>
-            </a:extLst>
-          </p:cNvPr>
-          <p:cNvSpPr>
-            <a:spLocks noGrp="1"/>
-          </p:cNvSpPr>
-          <p:nvPr>
-            <p:ph type="title"/>
-          </p:nvPr>
-        </p:nvSpPr>
-        <p:spPr>
-          <a:xfrm>
-            <a:off x="421226" y="380577"/>
-            <a:ext cx="11522076" cy="498598"/>
-          </a:xfrm>
-        </p:spPr>
-        <p:txBody>
-          <a:bodyPr/>
-          <a:lstStyle/>
-          <a:p>
-            <a:r>
-              <a:rPr lang="en-US" dirty="0"/>
-              <a:t>Entity Relationship Diagram</a:t>
-            </a:r>
-          </a:p>
-        </p:txBody>
-      </p:sp>
-      <p:graphicFrame>
-        <p:nvGraphicFramePr>
-          <p:cNvPr id="4" name="Content Placeholder 3">
-            <a:extLst>
-              <a:ext uri="{FF2B5EF4-FFF2-40B4-BE49-F238E27FC236}">
-                <a16:creationId xmlns:a16="http://schemas.microsoft.com/office/drawing/2014/main" id="{34069A16-23D2-47D6-A9E4-4A422008CB46}"/>
-              </a:ext>
-            </a:extLst>
-          </p:cNvPr>
-          <p:cNvGraphicFramePr>
-            <a:graphicFrameLocks noGrp="1"/>
-          </p:cNvGraphicFramePr>
-          <p:nvPr>
-            <p:ph idx="1"/>
-            <p:extLst>
-              <p:ext uri="{D42A27DB-BD31-4B8C-83A1-F6EECF244321}">
-                <p14:modId xmlns:p14="http://schemas.microsoft.com/office/powerpoint/2010/main" val="2346072369"/>
-              </p:ext>
-            </p:extLst>
-          </p:nvPr>
-        </p:nvGraphicFramePr>
-        <p:xfrm>
-          <a:off x="334962" y="1304925"/>
-          <a:ext cx="4351337" cy="4802188"/>
-        </p:xfrm>
-        <a:graphic>
-          <a:graphicData uri="http://schemas.openxmlformats.org/drawingml/2006/chart">
-            <c:chart xmlns:c="http://schemas.openxmlformats.org/drawingml/2006/chart" xmlns:r="http://schemas.openxmlformats.org/officeDocument/2006/relationships" r:id="rId6"/>
-          </a:graphicData>
-        </a:graphic>
-      </p:graphicFrame>
-      <p:sp>
-        <p:nvSpPr>
-          <p:cNvPr id="10" name="Slide Number Placeholder 9">
-            <a:extLst>
-              <a:ext uri="{FF2B5EF4-FFF2-40B4-BE49-F238E27FC236}">
-                <a16:creationId xmlns:a16="http://schemas.microsoft.com/office/drawing/2014/main" id="{6A8C2D05-C0E2-4FB9-8868-AA99B369ACC5}"/>
-              </a:ext>
-            </a:extLst>
-          </p:cNvPr>
-          <p:cNvSpPr>
-            <a:spLocks noGrp="1"/>
-          </p:cNvSpPr>
-          <p:nvPr>
-            <p:ph type="sldNum" sz="quarter" idx="12"/>
-          </p:nvPr>
-        </p:nvSpPr>
-        <p:spPr/>
-        <p:txBody>
-          <a:bodyPr/>
-          <a:lstStyle/>
-          <a:p>
-            <a:fld id="{14ED2C52-F4A6-44CA-8A9F-48318319496E}" type="slidenum">
-              <a:rPr lang="en-US" smtClean="0"/>
-              <a:t>7</a:t>
-            </a:fld>
-            <a:endParaRPr lang="en-US"/>
-          </a:p>
-        </p:txBody>
-      </p:sp>
-      <p:sp>
-        <p:nvSpPr>
-          <p:cNvPr id="19" name="TextBox 18">
-            <a:extLst>
-              <a:ext uri="{FF2B5EF4-FFF2-40B4-BE49-F238E27FC236}">
-                <a16:creationId xmlns:a16="http://schemas.microsoft.com/office/drawing/2014/main" id="{146EC0AA-4F31-4E6E-B774-B1D601335738}"/>
-              </a:ext>
-            </a:extLst>
-          </p:cNvPr>
-          <p:cNvSpPr txBox="1"/>
-          <p:nvPr/>
-        </p:nvSpPr>
-        <p:spPr>
-          <a:xfrm>
-            <a:off x="6457950" y="1843494"/>
-            <a:ext cx="5399087" cy="553998"/>
-          </a:xfrm>
-          <a:prstGeom prst="rect">
-            <a:avLst/>
-          </a:prstGeom>
-          <a:noFill/>
-          <a:ln w="6350">
-            <a:noFill/>
-            <a:prstDash val="dash"/>
-          </a:ln>
-        </p:spPr>
-        <p:txBody>
-          <a:bodyPr wrap="square" lIns="0" tIns="0" rIns="0" bIns="0" rtlCol="0">
-            <a:spAutoFit/>
-          </a:bodyPr>
-          <a:lstStyle/>
-          <a:p>
-            <a:r>
-              <a:rPr lang="en-US" dirty="0">
-                <a:solidFill>
-                  <a:schemeClr val="bg1"/>
-                </a:solidFill>
-              </a:rPr>
-              <a:t>Lorem ipsum dolor sit </a:t>
-            </a:r>
-            <a:r>
-              <a:rPr lang="en-US" dirty="0" err="1">
-                <a:solidFill>
-                  <a:schemeClr val="bg1"/>
-                </a:solidFill>
-              </a:rPr>
-              <a:t>amet</a:t>
-            </a:r>
-            <a:r>
-              <a:rPr lang="en-US" dirty="0">
-                <a:solidFill>
-                  <a:schemeClr val="bg1"/>
-                </a:solidFill>
-              </a:rPr>
-              <a:t>, </a:t>
-            </a:r>
-            <a:r>
-              <a:rPr lang="en-US" dirty="0" err="1">
-                <a:solidFill>
-                  <a:schemeClr val="bg1"/>
-                </a:solidFill>
-              </a:rPr>
-              <a:t>consectetur</a:t>
-            </a:r>
-            <a:r>
-              <a:rPr lang="en-US" dirty="0">
-                <a:solidFill>
-                  <a:schemeClr val="bg1"/>
-                </a:solidFill>
-              </a:rPr>
-              <a:t> </a:t>
-            </a:r>
-            <a:r>
-              <a:rPr lang="en-US" dirty="0" err="1">
-                <a:solidFill>
-                  <a:schemeClr val="bg1"/>
-                </a:solidFill>
-              </a:rPr>
-              <a:t>adipiscing</a:t>
-            </a:r>
-            <a:r>
-              <a:rPr lang="en-US" dirty="0">
-                <a:solidFill>
-                  <a:schemeClr val="bg1"/>
-                </a:solidFill>
-              </a:rPr>
-              <a:t> </a:t>
-            </a:r>
-            <a:r>
-              <a:rPr lang="en-US" dirty="0" err="1">
-                <a:solidFill>
-                  <a:schemeClr val="bg1"/>
-                </a:solidFill>
-              </a:rPr>
-              <a:t>elit</a:t>
-            </a:r>
-            <a:r>
-              <a:rPr lang="en-US" dirty="0">
-                <a:solidFill>
-                  <a:schemeClr val="bg1"/>
-                </a:solidFill>
-              </a:rPr>
-              <a:t>, sed do </a:t>
-            </a:r>
-            <a:r>
-              <a:rPr lang="en-US" dirty="0" err="1">
-                <a:solidFill>
-                  <a:schemeClr val="bg1"/>
-                </a:solidFill>
-              </a:rPr>
-              <a:t>eiusmod</a:t>
-            </a:r>
-            <a:r>
-              <a:rPr lang="en-US" dirty="0">
-                <a:solidFill>
-                  <a:schemeClr val="bg1"/>
-                </a:solidFill>
-              </a:rPr>
-              <a:t> </a:t>
-            </a:r>
-            <a:r>
-              <a:rPr lang="en-US" dirty="0" err="1">
-                <a:solidFill>
-                  <a:schemeClr val="bg1"/>
-                </a:solidFill>
-              </a:rPr>
-              <a:t>tempor</a:t>
-            </a:r>
-            <a:r>
-              <a:rPr lang="en-US" dirty="0">
-                <a:solidFill>
-                  <a:schemeClr val="bg1"/>
-                </a:solidFill>
-              </a:rPr>
-              <a:t> </a:t>
-            </a:r>
-            <a:r>
-              <a:rPr lang="en-US" dirty="0" err="1">
-                <a:solidFill>
-                  <a:schemeClr val="bg1"/>
-                </a:solidFill>
-              </a:rPr>
-              <a:t>incididunt</a:t>
-            </a:r>
-            <a:r>
-              <a:rPr lang="en-US" dirty="0">
-                <a:solidFill>
-                  <a:schemeClr val="bg1"/>
-                </a:solidFill>
-              </a:rPr>
-              <a:t> </a:t>
-            </a:r>
-            <a:r>
-              <a:rPr lang="en-US" dirty="0" err="1">
-                <a:solidFill>
-                  <a:schemeClr val="bg1"/>
-                </a:solidFill>
-              </a:rPr>
-              <a:t>ut</a:t>
-            </a:r>
-            <a:r>
-              <a:rPr lang="en-US" dirty="0">
-                <a:solidFill>
-                  <a:schemeClr val="bg1"/>
-                </a:solidFill>
-              </a:rPr>
-              <a:t> </a:t>
-            </a:r>
-            <a:r>
-              <a:rPr lang="en-US" dirty="0" err="1">
-                <a:solidFill>
-                  <a:schemeClr val="bg1"/>
-                </a:solidFill>
-              </a:rPr>
-              <a:t>labore</a:t>
-            </a:r>
-            <a:endParaRPr lang="en-US" dirty="0">
-              <a:solidFill>
-                <a:schemeClr val="bg1"/>
-              </a:solidFill>
-            </a:endParaRPr>
-          </a:p>
-        </p:txBody>
-      </p:sp>
-      <p:sp>
-        <p:nvSpPr>
-          <p:cNvPr id="23" name="TextBox 22">
-            <a:extLst>
-              <a:ext uri="{FF2B5EF4-FFF2-40B4-BE49-F238E27FC236}">
-                <a16:creationId xmlns:a16="http://schemas.microsoft.com/office/drawing/2014/main" id="{3355CCCD-C973-4505-B6CE-A598B2640AFE}"/>
-              </a:ext>
-            </a:extLst>
-          </p:cNvPr>
-          <p:cNvSpPr txBox="1"/>
-          <p:nvPr/>
-        </p:nvSpPr>
-        <p:spPr>
-          <a:xfrm>
-            <a:off x="6457950" y="3429020"/>
-            <a:ext cx="5399087" cy="553998"/>
-          </a:xfrm>
-          <a:prstGeom prst="rect">
-            <a:avLst/>
-          </a:prstGeom>
-          <a:noFill/>
-          <a:ln w="6350">
-            <a:noFill/>
-            <a:prstDash val="dash"/>
-          </a:ln>
-        </p:spPr>
-        <p:txBody>
-          <a:bodyPr wrap="square" lIns="0" tIns="0" rIns="0" bIns="0" rtlCol="0">
-            <a:spAutoFit/>
-          </a:bodyPr>
-          <a:lstStyle/>
-          <a:p>
-            <a:r>
-              <a:rPr lang="en-US" dirty="0">
-                <a:solidFill>
-                  <a:schemeClr val="bg1"/>
-                </a:solidFill>
-              </a:rPr>
-              <a:t>Lorem ipsum dolor sit </a:t>
-            </a:r>
-            <a:r>
-              <a:rPr lang="en-US" dirty="0" err="1">
-                <a:solidFill>
-                  <a:schemeClr val="bg1"/>
-                </a:solidFill>
-              </a:rPr>
-              <a:t>amet</a:t>
-            </a:r>
-            <a:r>
-              <a:rPr lang="en-US" dirty="0">
-                <a:solidFill>
-                  <a:schemeClr val="bg1"/>
-                </a:solidFill>
-              </a:rPr>
-              <a:t>, </a:t>
-            </a:r>
-            <a:r>
-              <a:rPr lang="en-US" dirty="0" err="1">
-                <a:solidFill>
-                  <a:schemeClr val="bg1"/>
-                </a:solidFill>
-              </a:rPr>
-              <a:t>consectetur</a:t>
-            </a:r>
-            <a:r>
-              <a:rPr lang="en-US" dirty="0">
-                <a:solidFill>
-                  <a:schemeClr val="bg1"/>
-                </a:solidFill>
-              </a:rPr>
-              <a:t> </a:t>
-            </a:r>
-            <a:r>
-              <a:rPr lang="en-US" dirty="0" err="1">
-                <a:solidFill>
-                  <a:schemeClr val="bg1"/>
-                </a:solidFill>
-              </a:rPr>
-              <a:t>adipiscing</a:t>
-            </a:r>
-            <a:r>
-              <a:rPr lang="en-US" dirty="0">
-                <a:solidFill>
-                  <a:schemeClr val="bg1"/>
-                </a:solidFill>
-              </a:rPr>
-              <a:t> </a:t>
-            </a:r>
-            <a:r>
-              <a:rPr lang="en-US" dirty="0" err="1">
-                <a:solidFill>
-                  <a:schemeClr val="bg1"/>
-                </a:solidFill>
-              </a:rPr>
-              <a:t>elit</a:t>
-            </a:r>
-            <a:r>
-              <a:rPr lang="en-US" dirty="0">
-                <a:solidFill>
-                  <a:schemeClr val="bg1"/>
-                </a:solidFill>
-              </a:rPr>
-              <a:t>, sed do </a:t>
-            </a:r>
-            <a:r>
-              <a:rPr lang="en-US" dirty="0" err="1">
-                <a:solidFill>
-                  <a:schemeClr val="bg1"/>
-                </a:solidFill>
-              </a:rPr>
-              <a:t>eiusmod</a:t>
-            </a:r>
-            <a:r>
-              <a:rPr lang="en-US" dirty="0">
-                <a:solidFill>
-                  <a:schemeClr val="bg1"/>
-                </a:solidFill>
-              </a:rPr>
-              <a:t> </a:t>
-            </a:r>
-            <a:r>
-              <a:rPr lang="en-US" dirty="0" err="1">
-                <a:solidFill>
-                  <a:schemeClr val="bg1"/>
-                </a:solidFill>
-              </a:rPr>
-              <a:t>tempor</a:t>
-            </a:r>
-            <a:r>
-              <a:rPr lang="en-US" dirty="0">
-                <a:solidFill>
-                  <a:schemeClr val="bg1"/>
-                </a:solidFill>
-              </a:rPr>
-              <a:t> </a:t>
-            </a:r>
-            <a:r>
-              <a:rPr lang="en-US" dirty="0" err="1">
-                <a:solidFill>
-                  <a:schemeClr val="bg1"/>
-                </a:solidFill>
-              </a:rPr>
-              <a:t>incididunt</a:t>
-            </a:r>
-            <a:r>
-              <a:rPr lang="en-US" dirty="0">
-                <a:solidFill>
-                  <a:schemeClr val="bg1"/>
-                </a:solidFill>
-              </a:rPr>
-              <a:t> </a:t>
-            </a:r>
-            <a:r>
-              <a:rPr lang="en-US" dirty="0" err="1">
-                <a:solidFill>
-                  <a:schemeClr val="bg1"/>
-                </a:solidFill>
-              </a:rPr>
-              <a:t>ut</a:t>
-            </a:r>
-            <a:r>
-              <a:rPr lang="en-US" dirty="0">
-                <a:solidFill>
-                  <a:schemeClr val="bg1"/>
-                </a:solidFill>
-              </a:rPr>
-              <a:t> </a:t>
-            </a:r>
-            <a:r>
-              <a:rPr lang="en-US" dirty="0" err="1">
-                <a:solidFill>
-                  <a:schemeClr val="bg1"/>
-                </a:solidFill>
-              </a:rPr>
-              <a:t>labore</a:t>
-            </a:r>
-            <a:endParaRPr lang="en-US" dirty="0">
-              <a:solidFill>
-                <a:schemeClr val="bg1"/>
-              </a:solidFill>
-            </a:endParaRPr>
-          </a:p>
-        </p:txBody>
-      </p:sp>
-      <p:sp>
-        <p:nvSpPr>
-          <p:cNvPr id="31" name="Oval 30">
-            <a:extLst>
-              <a:ext uri="{FF2B5EF4-FFF2-40B4-BE49-F238E27FC236}">
-                <a16:creationId xmlns:a16="http://schemas.microsoft.com/office/drawing/2014/main" id="{01AAEB7B-71F7-43F4-B33F-AFA8506815E2}"/>
-              </a:ext>
-            </a:extLst>
-          </p:cNvPr>
-          <p:cNvSpPr/>
-          <p:nvPr/>
-        </p:nvSpPr>
-        <p:spPr>
-          <a:xfrm>
-            <a:off x="5081994" y="1630363"/>
-            <a:ext cx="980260" cy="980260"/>
-          </a:xfrm>
-          <a:prstGeom prst="ellipse">
-            <a:avLst/>
-          </a:prstGeom>
-          <a:solidFill>
-            <a:schemeClr val="bg2"/>
-          </a:solidFill>
-          <a:ln>
-            <a:noFill/>
-          </a:ln>
-          <a:effectLst>
-            <a:outerShdw blurRad="355600" dist="12700" dir="5400000" algn="t" rotWithShape="0">
-              <a:schemeClr val="bg2">
-                <a:alpha val="48000"/>
-              </a:schemeClr>
-            </a:outerShdw>
-          </a:effectLst>
-        </p:spPr>
-        <p:txBody>
-          <a:bodyPr vert="horz" wrap="square" lIns="91440" tIns="45720" rIns="91440" bIns="45720" numCol="1" anchor="ctr" anchorCtr="0" compatLnSpc="1">
-            <a:prstTxWarp prst="textNoShape">
-              <a:avLst/>
-            </a:prstTxWarp>
-          </a:bodyPr>
-          <a:lstStyle/>
-          <a:p>
-            <a:endParaRPr lang="en-US" sz="1600">
-              <a:solidFill>
-                <a:schemeClr val="bg1"/>
-              </a:solidFill>
-            </a:endParaRPr>
-          </a:p>
-        </p:txBody>
-      </p:sp>
-      <p:sp>
-        <p:nvSpPr>
-          <p:cNvPr id="32" name="Oval 31">
-            <a:extLst>
-              <a:ext uri="{FF2B5EF4-FFF2-40B4-BE49-F238E27FC236}">
-                <a16:creationId xmlns:a16="http://schemas.microsoft.com/office/drawing/2014/main" id="{01134497-D222-4CA2-BD4D-460EB6FFF7C5}"/>
-              </a:ext>
-            </a:extLst>
-          </p:cNvPr>
-          <p:cNvSpPr/>
-          <p:nvPr/>
-        </p:nvSpPr>
-        <p:spPr>
-          <a:xfrm>
-            <a:off x="5081994" y="3215889"/>
-            <a:ext cx="980260" cy="980260"/>
-          </a:xfrm>
-          <a:prstGeom prst="ellipse">
-            <a:avLst/>
-          </a:prstGeom>
-          <a:solidFill>
-            <a:schemeClr val="bg2"/>
-          </a:solidFill>
-          <a:ln>
-            <a:noFill/>
-          </a:ln>
-          <a:effectLst>
-            <a:outerShdw blurRad="355600" dist="12700" dir="5400000" algn="t" rotWithShape="0">
-              <a:schemeClr val="bg2">
-                <a:alpha val="48000"/>
-              </a:schemeClr>
-            </a:outerShdw>
-          </a:effectLst>
-        </p:spPr>
-        <p:txBody>
-          <a:bodyPr vert="horz" wrap="square" lIns="91440" tIns="45720" rIns="91440" bIns="45720" numCol="1" anchor="ctr" anchorCtr="0" compatLnSpc="1">
-            <a:prstTxWarp prst="textNoShape">
-              <a:avLst/>
-            </a:prstTxWarp>
-          </a:bodyPr>
-          <a:lstStyle/>
-          <a:p>
-            <a:endParaRPr lang="en-US" sz="1600">
-              <a:solidFill>
-                <a:schemeClr val="bg1"/>
-              </a:solidFill>
-            </a:endParaRPr>
-          </a:p>
-        </p:txBody>
-      </p:sp>
-      <p:sp>
-        <p:nvSpPr>
-          <p:cNvPr id="33" name="Oval 32">
-            <a:extLst>
-              <a:ext uri="{FF2B5EF4-FFF2-40B4-BE49-F238E27FC236}">
-                <a16:creationId xmlns:a16="http://schemas.microsoft.com/office/drawing/2014/main" id="{ED833EAA-D166-4EA8-A3B8-B4FF86FE5FD0}"/>
-              </a:ext>
-            </a:extLst>
-          </p:cNvPr>
-          <p:cNvSpPr/>
-          <p:nvPr/>
-        </p:nvSpPr>
-        <p:spPr>
-          <a:xfrm>
-            <a:off x="5081994" y="4801415"/>
-            <a:ext cx="980260" cy="980260"/>
-          </a:xfrm>
-          <a:prstGeom prst="ellipse">
-            <a:avLst/>
-          </a:prstGeom>
-          <a:solidFill>
-            <a:schemeClr val="bg2"/>
-          </a:solidFill>
-          <a:ln>
-            <a:noFill/>
-          </a:ln>
-          <a:effectLst>
-            <a:outerShdw blurRad="355600" dist="12700" dir="5400000" algn="t" rotWithShape="0">
-              <a:schemeClr val="bg2">
-                <a:alpha val="48000"/>
-              </a:schemeClr>
-            </a:outerShdw>
-          </a:effectLst>
-        </p:spPr>
-        <p:txBody>
-          <a:bodyPr vert="horz" wrap="square" lIns="91440" tIns="45720" rIns="91440" bIns="45720" numCol="1" anchor="ctr" anchorCtr="0" compatLnSpc="1">
-            <a:prstTxWarp prst="textNoShape">
-              <a:avLst/>
-            </a:prstTxWarp>
-          </a:bodyPr>
-          <a:lstStyle/>
-          <a:p>
-            <a:endParaRPr lang="en-US" sz="1600">
-              <a:solidFill>
-                <a:schemeClr val="bg1"/>
-              </a:solidFill>
-            </a:endParaRPr>
-          </a:p>
-        </p:txBody>
-      </p:sp>
-      <p:sp>
-        <p:nvSpPr>
-          <p:cNvPr id="7" name="Oval 6">
-            <a:extLst>
-              <a:ext uri="{FF2B5EF4-FFF2-40B4-BE49-F238E27FC236}">
-                <a16:creationId xmlns:a16="http://schemas.microsoft.com/office/drawing/2014/main" id="{06175750-BD6E-4EF8-9F9F-CC7F072F0C3C}"/>
-              </a:ext>
-            </a:extLst>
-          </p:cNvPr>
-          <p:cNvSpPr/>
-          <p:nvPr/>
-        </p:nvSpPr>
-        <p:spPr>
-          <a:xfrm>
-            <a:off x="5238748" y="1787117"/>
-            <a:ext cx="666752" cy="666752"/>
-          </a:xfrm>
-          <a:prstGeom prst="ellipse">
-            <a:avLst/>
-          </a:prstGeom>
-          <a:ln>
-            <a:noFill/>
-          </a:ln>
-          <a:effectLst>
-            <a:outerShdw blurRad="38100" dist="50800" dir="2700000" algn="tl" rotWithShape="0">
-              <a:prstClr val="black">
-                <a:alpha val="25000"/>
-              </a:prstClr>
-            </a:outerShdw>
-          </a:effectLst>
-        </p:spPr>
-        <p:style>
-          <a:lnRef idx="2">
-            <a:schemeClr val="accent1">
-              <a:shade val="50000"/>
-            </a:schemeClr>
-          </a:lnRef>
-          <a:fillRef idx="1">
-            <a:schemeClr val="accent1"/>
-          </a:fillRef>
-          <a:effectRef idx="0">
-            <a:schemeClr val="accent1"/>
-          </a:effectRef>
-          <a:fontRef idx="minor">
-            <a:schemeClr val="lt1"/>
-          </a:fontRef>
-        </p:style>
-        <p:txBody>
-          <a:bodyPr rtlCol="0" anchor="ctr"/>
-          <a:lstStyle/>
-          <a:p>
-            <a:pPr algn="ctr"/>
-            <a:endParaRPr lang="en-US"/>
-          </a:p>
-        </p:txBody>
-      </p:sp>
-      <p:sp>
-        <p:nvSpPr>
-          <p:cNvPr id="22" name="Oval 21">
-            <a:extLst>
-              <a:ext uri="{FF2B5EF4-FFF2-40B4-BE49-F238E27FC236}">
-                <a16:creationId xmlns:a16="http://schemas.microsoft.com/office/drawing/2014/main" id="{5F44A9CE-829C-460D-B061-7644B21A733E}"/>
-              </a:ext>
-            </a:extLst>
-          </p:cNvPr>
-          <p:cNvSpPr/>
-          <p:nvPr/>
-        </p:nvSpPr>
-        <p:spPr>
-          <a:xfrm>
-            <a:off x="5238748" y="3372643"/>
-            <a:ext cx="666752" cy="666752"/>
-          </a:xfrm>
-          <a:prstGeom prst="ellipse">
-            <a:avLst/>
-          </a:prstGeom>
-          <a:solidFill>
-            <a:srgbClr val="FEBA22"/>
-          </a:solidFill>
-          <a:ln>
-            <a:noFill/>
-          </a:ln>
-          <a:effectLst>
-            <a:outerShdw blurRad="38100" dist="50800" dir="2700000" algn="tl" rotWithShape="0">
-              <a:prstClr val="black">
-                <a:alpha val="25000"/>
-              </a:prstClr>
-            </a:outerShdw>
-          </a:effectLst>
-        </p:spPr>
-        <p:style>
-          <a:lnRef idx="2">
-            <a:schemeClr val="accent1">
-              <a:shade val="50000"/>
-            </a:schemeClr>
-          </a:lnRef>
-          <a:fillRef idx="1">
-            <a:schemeClr val="accent1"/>
-          </a:fillRef>
-          <a:effectRef idx="0">
-            <a:schemeClr val="accent1"/>
-          </a:effectRef>
-          <a:fontRef idx="minor">
-            <a:schemeClr val="lt1"/>
-          </a:fontRef>
-        </p:style>
-        <p:txBody>
-          <a:bodyPr rtlCol="0" anchor="ctr"/>
-          <a:lstStyle/>
-          <a:p>
-            <a:pPr algn="ctr"/>
-            <a:endParaRPr lang="en-US"/>
-          </a:p>
-        </p:txBody>
-      </p:sp>
-      <p:sp>
-        <p:nvSpPr>
-          <p:cNvPr id="25" name="Oval 24">
-            <a:extLst>
-              <a:ext uri="{FF2B5EF4-FFF2-40B4-BE49-F238E27FC236}">
-                <a16:creationId xmlns:a16="http://schemas.microsoft.com/office/drawing/2014/main" id="{CEA61E20-FD1B-4C82-9007-6795D777F1E1}"/>
-              </a:ext>
-            </a:extLst>
-          </p:cNvPr>
-          <p:cNvSpPr/>
-          <p:nvPr/>
-        </p:nvSpPr>
-        <p:spPr>
-          <a:xfrm>
-            <a:off x="5238748" y="4958169"/>
-            <a:ext cx="666752" cy="666752"/>
-          </a:xfrm>
-          <a:prstGeom prst="ellipse">
-            <a:avLst/>
-          </a:prstGeom>
-          <a:solidFill>
-            <a:srgbClr val="D59301"/>
-          </a:solidFill>
-          <a:ln>
-            <a:noFill/>
-          </a:ln>
-          <a:effectLst>
-            <a:outerShdw blurRad="38100" dist="50800" dir="2700000" algn="tl" rotWithShape="0">
-              <a:prstClr val="black">
-                <a:alpha val="25000"/>
-              </a:prstClr>
-            </a:outerShdw>
-          </a:effectLst>
-        </p:spPr>
-        <p:style>
-          <a:lnRef idx="2">
-            <a:schemeClr val="accent1">
-              <a:shade val="50000"/>
-            </a:schemeClr>
-          </a:lnRef>
-          <a:fillRef idx="1">
-            <a:schemeClr val="accent1"/>
-          </a:fillRef>
-          <a:effectRef idx="0">
-            <a:schemeClr val="accent1"/>
-          </a:effectRef>
-          <a:fontRef idx="minor">
-            <a:schemeClr val="lt1"/>
-          </a:fontRef>
-        </p:style>
-        <p:txBody>
-          <a:bodyPr rtlCol="0" anchor="ctr"/>
-          <a:lstStyle/>
-          <a:p>
-            <a:pPr algn="ctr"/>
-            <a:endParaRPr lang="en-US"/>
-          </a:p>
-        </p:txBody>
-      </p:sp>
-      <p:sp>
-        <p:nvSpPr>
-          <p:cNvPr id="26" name="TextBox 25">
-            <a:extLst>
-              <a:ext uri="{FF2B5EF4-FFF2-40B4-BE49-F238E27FC236}">
-                <a16:creationId xmlns:a16="http://schemas.microsoft.com/office/drawing/2014/main" id="{5C8F0B66-AABB-4502-8C60-7EC2A019BE82}"/>
-              </a:ext>
-            </a:extLst>
-          </p:cNvPr>
-          <p:cNvSpPr txBox="1"/>
-          <p:nvPr/>
-        </p:nvSpPr>
-        <p:spPr>
-          <a:xfrm>
-            <a:off x="6457950" y="5014546"/>
-            <a:ext cx="5399087" cy="553998"/>
-          </a:xfrm>
-          <a:prstGeom prst="rect">
-            <a:avLst/>
-          </a:prstGeom>
-          <a:noFill/>
-          <a:ln w="6350">
-            <a:noFill/>
-            <a:prstDash val="dash"/>
-          </a:ln>
-        </p:spPr>
-        <p:txBody>
-          <a:bodyPr wrap="square" lIns="0" tIns="0" rIns="0" bIns="0" rtlCol="0">
-            <a:spAutoFit/>
-          </a:bodyPr>
-          <a:lstStyle/>
-          <a:p>
-            <a:r>
-              <a:rPr lang="en-US" dirty="0">
-                <a:solidFill>
-                  <a:schemeClr val="bg1"/>
-                </a:solidFill>
-              </a:rPr>
-              <a:t>Lorem ipsum dolor sit </a:t>
-            </a:r>
-            <a:r>
-              <a:rPr lang="en-US" dirty="0" err="1">
-                <a:solidFill>
-                  <a:schemeClr val="bg1"/>
-                </a:solidFill>
-              </a:rPr>
-              <a:t>amet</a:t>
-            </a:r>
-            <a:r>
-              <a:rPr lang="en-US" dirty="0">
-                <a:solidFill>
-                  <a:schemeClr val="bg1"/>
-                </a:solidFill>
-              </a:rPr>
-              <a:t>, </a:t>
-            </a:r>
-            <a:r>
-              <a:rPr lang="en-US" dirty="0" err="1">
-                <a:solidFill>
-                  <a:schemeClr val="bg1"/>
-                </a:solidFill>
-              </a:rPr>
-              <a:t>consectetur</a:t>
-            </a:r>
-            <a:r>
-              <a:rPr lang="en-US" dirty="0">
-                <a:solidFill>
-                  <a:schemeClr val="bg1"/>
-                </a:solidFill>
-              </a:rPr>
-              <a:t> </a:t>
-            </a:r>
-            <a:r>
-              <a:rPr lang="en-US" dirty="0" err="1">
-                <a:solidFill>
-                  <a:schemeClr val="bg1"/>
-                </a:solidFill>
-              </a:rPr>
-              <a:t>adipiscing</a:t>
-            </a:r>
-            <a:r>
-              <a:rPr lang="en-US" dirty="0">
-                <a:solidFill>
-                  <a:schemeClr val="bg1"/>
-                </a:solidFill>
-              </a:rPr>
-              <a:t> </a:t>
-            </a:r>
-            <a:r>
-              <a:rPr lang="en-US" dirty="0" err="1">
-                <a:solidFill>
-                  <a:schemeClr val="bg1"/>
-                </a:solidFill>
-              </a:rPr>
-              <a:t>elit</a:t>
-            </a:r>
-            <a:r>
-              <a:rPr lang="en-US" dirty="0">
-                <a:solidFill>
-                  <a:schemeClr val="bg1"/>
-                </a:solidFill>
-              </a:rPr>
-              <a:t>, sed do </a:t>
-            </a:r>
-            <a:r>
-              <a:rPr lang="en-US" dirty="0" err="1">
-                <a:solidFill>
-                  <a:schemeClr val="bg1"/>
-                </a:solidFill>
-              </a:rPr>
-              <a:t>eiusmod</a:t>
-            </a:r>
-            <a:r>
-              <a:rPr lang="en-US" dirty="0">
-                <a:solidFill>
-                  <a:schemeClr val="bg1"/>
-                </a:solidFill>
-              </a:rPr>
-              <a:t> </a:t>
-            </a:r>
-            <a:r>
-              <a:rPr lang="en-US" dirty="0" err="1">
-                <a:solidFill>
-                  <a:schemeClr val="bg1"/>
-                </a:solidFill>
-              </a:rPr>
-              <a:t>tempor</a:t>
-            </a:r>
-            <a:r>
-              <a:rPr lang="en-US" dirty="0">
-                <a:solidFill>
-                  <a:schemeClr val="bg1"/>
-                </a:solidFill>
-              </a:rPr>
-              <a:t> </a:t>
-            </a:r>
-            <a:r>
-              <a:rPr lang="en-US" dirty="0" err="1">
-                <a:solidFill>
-                  <a:schemeClr val="bg1"/>
-                </a:solidFill>
-              </a:rPr>
-              <a:t>incididunt</a:t>
-            </a:r>
-            <a:r>
-              <a:rPr lang="en-US" dirty="0">
-                <a:solidFill>
-                  <a:schemeClr val="bg1"/>
-                </a:solidFill>
-              </a:rPr>
-              <a:t> </a:t>
-            </a:r>
-            <a:r>
-              <a:rPr lang="en-US" dirty="0" err="1">
-                <a:solidFill>
-                  <a:schemeClr val="bg1"/>
-                </a:solidFill>
-              </a:rPr>
-              <a:t>ut</a:t>
-            </a:r>
-            <a:r>
-              <a:rPr lang="en-US" dirty="0">
-                <a:solidFill>
-                  <a:schemeClr val="bg1"/>
-                </a:solidFill>
-              </a:rPr>
-              <a:t> </a:t>
-            </a:r>
-            <a:r>
-              <a:rPr lang="en-US" dirty="0" err="1">
-                <a:solidFill>
-                  <a:schemeClr val="bg1"/>
-                </a:solidFill>
-              </a:rPr>
-              <a:t>labore</a:t>
-            </a:r>
-            <a:endParaRPr lang="en-US" dirty="0">
-              <a:solidFill>
-                <a:schemeClr val="bg1"/>
-              </a:solidFill>
-            </a:endParaRPr>
-          </a:p>
-        </p:txBody>
-      </p:sp>
-      <p:grpSp>
-        <p:nvGrpSpPr>
-          <p:cNvPr id="34" name="Group 33">
-            <a:extLst>
-              <a:ext uri="{FF2B5EF4-FFF2-40B4-BE49-F238E27FC236}">
-                <a16:creationId xmlns:a16="http://schemas.microsoft.com/office/drawing/2014/main" id="{7210D8C1-A120-4F01-AA77-43E6C063DFED}"/>
-              </a:ext>
-            </a:extLst>
-          </p:cNvPr>
-          <p:cNvGrpSpPr/>
-          <p:nvPr/>
-        </p:nvGrpSpPr>
-        <p:grpSpPr>
-          <a:xfrm>
-            <a:off x="6457950" y="2913256"/>
-            <a:ext cx="5157886" cy="1585526"/>
-            <a:chOff x="6096000" y="2913256"/>
-            <a:chExt cx="5519836" cy="1585526"/>
-          </a:xfrm>
-        </p:grpSpPr>
-        <p:cxnSp>
-          <p:nvCxnSpPr>
-            <p:cNvPr id="29" name="Straight Connector 28">
-              <a:extLst>
-                <a:ext uri="{FF2B5EF4-FFF2-40B4-BE49-F238E27FC236}">
-                  <a16:creationId xmlns:a16="http://schemas.microsoft.com/office/drawing/2014/main" id="{D039AE05-0CBA-4779-A780-085616C02DBF}"/>
-                </a:ext>
-              </a:extLst>
-            </p:cNvPr>
-            <p:cNvCxnSpPr/>
-            <p:nvPr/>
-          </p:nvCxnSpPr>
-          <p:spPr>
-            <a:xfrm>
-              <a:off x="6096000" y="2913256"/>
-              <a:ext cx="5519836" cy="0"/>
-            </a:xfrm>
-            <a:prstGeom prst="line">
-              <a:avLst/>
-            </a:prstGeom>
-            <a:ln>
-              <a:solidFill>
-                <a:schemeClr val="bg1"/>
-              </a:solidFill>
-              <a:prstDash val="dash"/>
-            </a:ln>
-          </p:spPr>
-          <p:style>
-            <a:lnRef idx="1">
-              <a:schemeClr val="accent1"/>
-            </a:lnRef>
-            <a:fillRef idx="0">
-              <a:schemeClr val="accent1"/>
-            </a:fillRef>
-            <a:effectRef idx="0">
-              <a:schemeClr val="accent1"/>
-            </a:effectRef>
-            <a:fontRef idx="minor">
-              <a:schemeClr val="tx1"/>
-            </a:fontRef>
-          </p:style>
-        </p:cxnSp>
-        <p:cxnSp>
-          <p:nvCxnSpPr>
-            <p:cNvPr id="30" name="Straight Connector 29">
-              <a:extLst>
-                <a:ext uri="{FF2B5EF4-FFF2-40B4-BE49-F238E27FC236}">
-                  <a16:creationId xmlns:a16="http://schemas.microsoft.com/office/drawing/2014/main" id="{FDDE0FAD-508B-413A-B766-C0864FDC4FC2}"/>
-                </a:ext>
-              </a:extLst>
-            </p:cNvPr>
-            <p:cNvCxnSpPr/>
-            <p:nvPr/>
-          </p:nvCxnSpPr>
-          <p:spPr>
-            <a:xfrm>
-              <a:off x="6096000" y="4498782"/>
-              <a:ext cx="5519836" cy="0"/>
-            </a:xfrm>
-            <a:prstGeom prst="line">
-              <a:avLst/>
-            </a:prstGeom>
-            <a:ln>
-              <a:solidFill>
-                <a:schemeClr val="bg1"/>
-              </a:solidFill>
-              <a:prstDash val="dash"/>
-            </a:ln>
-          </p:spPr>
-          <p:style>
-            <a:lnRef idx="1">
-              <a:schemeClr val="accent1"/>
-            </a:lnRef>
-            <a:fillRef idx="0">
-              <a:schemeClr val="accent1"/>
-            </a:fillRef>
-            <a:effectRef idx="0">
-              <a:schemeClr val="accent1"/>
-            </a:effectRef>
-            <a:fontRef idx="minor">
-              <a:schemeClr val="tx1"/>
-            </a:fontRef>
-          </p:style>
-        </p:cxnSp>
-      </p:grpSp>
-      <p:sp>
-        <p:nvSpPr>
-          <p:cNvPr id="2" name="Arrow: Chevron 1">
-            <a:extLst>
-              <a:ext uri="{FF2B5EF4-FFF2-40B4-BE49-F238E27FC236}">
-                <a16:creationId xmlns:a16="http://schemas.microsoft.com/office/drawing/2014/main" id="{52A4C8F2-2518-4C6E-961F-DC29AC2C5B5E}"/>
-              </a:ext>
-            </a:extLst>
-          </p:cNvPr>
-          <p:cNvSpPr/>
-          <p:nvPr/>
-        </p:nvSpPr>
-        <p:spPr>
-          <a:xfrm>
-            <a:off x="5456517" y="2004886"/>
-            <a:ext cx="231215" cy="231215"/>
-          </a:xfrm>
-          <a:prstGeom prst="chevron">
-            <a:avLst>
-              <a:gd name="adj" fmla="val 68832"/>
-            </a:avLst>
-          </a:prstGeom>
-          <a:solidFill>
-            <a:schemeClr val="bg1"/>
-          </a:solidFill>
-          <a:ln>
-            <a:noFill/>
-          </a:ln>
-        </p:spPr>
-        <p:style>
-          <a:lnRef idx="2">
-            <a:schemeClr val="accent1">
-              <a:shade val="50000"/>
-            </a:schemeClr>
-          </a:lnRef>
-          <a:fillRef idx="1">
-            <a:schemeClr val="accent1"/>
-          </a:fillRef>
-          <a:effectRef idx="0">
-            <a:schemeClr val="accent1"/>
-          </a:effectRef>
-          <a:fontRef idx="minor">
-            <a:schemeClr val="lt1"/>
-          </a:fontRef>
-        </p:style>
-        <p:txBody>
-          <a:bodyPr rtlCol="0" anchor="ctr"/>
-          <a:lstStyle/>
-          <a:p>
-            <a:pPr algn="ctr"/>
-            <a:endParaRPr lang="en-US">
-              <a:solidFill>
-                <a:schemeClr val="tx1"/>
-              </a:solidFill>
-            </a:endParaRPr>
-          </a:p>
-        </p:txBody>
-      </p:sp>
-      <p:sp>
-        <p:nvSpPr>
-          <p:cNvPr id="35" name="Arrow: Chevron 34">
-            <a:extLst>
-              <a:ext uri="{FF2B5EF4-FFF2-40B4-BE49-F238E27FC236}">
-                <a16:creationId xmlns:a16="http://schemas.microsoft.com/office/drawing/2014/main" id="{1E783045-2C2B-47C0-8A62-2109E14EA72D}"/>
-              </a:ext>
-            </a:extLst>
-          </p:cNvPr>
-          <p:cNvSpPr/>
-          <p:nvPr/>
-        </p:nvSpPr>
-        <p:spPr>
-          <a:xfrm>
-            <a:off x="5456517" y="3590412"/>
-            <a:ext cx="231215" cy="231215"/>
-          </a:xfrm>
-          <a:prstGeom prst="chevron">
-            <a:avLst>
-              <a:gd name="adj" fmla="val 68832"/>
-            </a:avLst>
-          </a:prstGeom>
-          <a:solidFill>
-            <a:schemeClr val="bg1"/>
-          </a:solidFill>
-          <a:ln>
-            <a:noFill/>
-          </a:ln>
-        </p:spPr>
-        <p:style>
-          <a:lnRef idx="2">
-            <a:schemeClr val="accent1">
-              <a:shade val="50000"/>
-            </a:schemeClr>
-          </a:lnRef>
-          <a:fillRef idx="1">
-            <a:schemeClr val="accent1"/>
-          </a:fillRef>
-          <a:effectRef idx="0">
-            <a:schemeClr val="accent1"/>
-          </a:effectRef>
-          <a:fontRef idx="minor">
-            <a:schemeClr val="lt1"/>
-          </a:fontRef>
-        </p:style>
-        <p:txBody>
-          <a:bodyPr rtlCol="0" anchor="ctr"/>
-          <a:lstStyle/>
-          <a:p>
-            <a:pPr algn="ctr"/>
-            <a:endParaRPr lang="en-US">
-              <a:solidFill>
-                <a:schemeClr val="tx1"/>
-              </a:solidFill>
-            </a:endParaRPr>
-          </a:p>
-        </p:txBody>
-      </p:sp>
-      <p:sp>
-        <p:nvSpPr>
-          <p:cNvPr id="36" name="Arrow: Chevron 35">
-            <a:extLst>
-              <a:ext uri="{FF2B5EF4-FFF2-40B4-BE49-F238E27FC236}">
-                <a16:creationId xmlns:a16="http://schemas.microsoft.com/office/drawing/2014/main" id="{63DA53E5-5795-43D6-892C-7B784E63AE5F}"/>
-              </a:ext>
-            </a:extLst>
-          </p:cNvPr>
-          <p:cNvSpPr/>
-          <p:nvPr/>
-        </p:nvSpPr>
-        <p:spPr>
-          <a:xfrm>
-            <a:off x="5456517" y="5175938"/>
-            <a:ext cx="231215" cy="231215"/>
-          </a:xfrm>
-          <a:prstGeom prst="chevron">
-            <a:avLst>
-              <a:gd name="adj" fmla="val 68832"/>
-            </a:avLst>
-          </a:prstGeom>
-          <a:solidFill>
-            <a:schemeClr val="bg1"/>
-          </a:solidFill>
-          <a:ln>
-            <a:noFill/>
-          </a:ln>
-        </p:spPr>
-        <p:style>
-          <a:lnRef idx="2">
-            <a:schemeClr val="accent1">
-              <a:shade val="50000"/>
-            </a:schemeClr>
-          </a:lnRef>
-          <a:fillRef idx="1">
-            <a:schemeClr val="accent1"/>
-          </a:fillRef>
-          <a:effectRef idx="0">
-            <a:schemeClr val="accent1"/>
-          </a:effectRef>
-          <a:fontRef idx="minor">
-            <a:schemeClr val="lt1"/>
-          </a:fontRef>
-        </p:style>
-        <p:txBody>
-          <a:bodyPr rtlCol="0" anchor="ctr"/>
-          <a:lstStyle/>
-          <a:p>
-            <a:pPr algn="ctr"/>
-            <a:endParaRPr lang="en-US">
-              <a:solidFill>
-                <a:schemeClr val="tx1"/>
-              </a:solidFill>
-            </a:endParaRPr>
-          </a:p>
-        </p:txBody>
-      </p:sp>
-      <p:sp>
-        <p:nvSpPr>
-          <p:cNvPr id="37" name="Oval 36">
-            <a:extLst>
-              <a:ext uri="{FF2B5EF4-FFF2-40B4-BE49-F238E27FC236}">
-                <a16:creationId xmlns:a16="http://schemas.microsoft.com/office/drawing/2014/main" id="{21E526F9-D9D8-45E6-AA9D-EF7D861F8DA6}"/>
-              </a:ext>
-            </a:extLst>
-          </p:cNvPr>
-          <p:cNvSpPr/>
-          <p:nvPr/>
-        </p:nvSpPr>
-        <p:spPr>
-          <a:xfrm>
-            <a:off x="1667345" y="2862734"/>
-            <a:ext cx="1686572" cy="1686572"/>
-          </a:xfrm>
-          <a:prstGeom prst="ellipse">
-            <a:avLst/>
-          </a:prstGeom>
-          <a:solidFill>
-            <a:schemeClr val="bg2"/>
-          </a:solidFill>
-          <a:ln>
-            <a:noFill/>
-          </a:ln>
-          <a:effectLst>
-            <a:outerShdw blurRad="355600" dist="12700" dir="5400000" algn="t" rotWithShape="0">
-              <a:schemeClr val="bg2">
-                <a:alpha val="48000"/>
-              </a:schemeClr>
-            </a:outerShdw>
-          </a:effectLst>
-        </p:spPr>
-        <p:txBody>
-          <a:bodyPr vert="horz" wrap="square" lIns="91440" tIns="45720" rIns="91440" bIns="45720" numCol="1" anchor="ctr" anchorCtr="0" compatLnSpc="1">
-            <a:prstTxWarp prst="textNoShape">
-              <a:avLst/>
-            </a:prstTxWarp>
-          </a:bodyPr>
-          <a:lstStyle/>
-          <a:p>
-            <a:endParaRPr lang="en-US" sz="1600">
-              <a:solidFill>
-                <a:schemeClr val="bg1"/>
-              </a:solidFill>
-            </a:endParaRPr>
-          </a:p>
-        </p:txBody>
-      </p:sp>
-      <p:pic>
-        <p:nvPicPr>
-          <p:cNvPr id="16" name="Graphic 15">
-            <a:extLst>
-              <a:ext uri="{FF2B5EF4-FFF2-40B4-BE49-F238E27FC236}">
-                <a16:creationId xmlns:a16="http://schemas.microsoft.com/office/drawing/2014/main" id="{45D62242-3A5F-43AE-A223-6116758818BC}"/>
-              </a:ext>
-            </a:extLst>
-          </p:cNvPr>
-          <p:cNvPicPr>
-            <a:picLocks noChangeAspect="1"/>
-          </p:cNvPicPr>
-          <p:nvPr/>
-        </p:nvPicPr>
-        <p:blipFill>
-          <a:blip r:embed="rId7">
-            <a:extLst>
-              <a:ext uri="{96DAC541-7B7A-43D3-8B79-37D633B846F1}">
-                <asvg:svgBlip xmlns:asvg="http://schemas.microsoft.com/office/drawing/2016/SVG/main" r:embed="rId8"/>
-              </a:ext>
-            </a:extLst>
-          </a:blip>
-          <a:stretch>
-            <a:fillRect/>
-          </a:stretch>
-        </p:blipFill>
-        <p:spPr>
-          <a:xfrm>
-            <a:off x="2077845" y="3318005"/>
-            <a:ext cx="865572" cy="776030"/>
-          </a:xfrm>
-          <a:prstGeom prst="rect">
-            <a:avLst/>
-          </a:prstGeom>
-        </p:spPr>
-      </p:pic>
-      <p:sp>
-        <p:nvSpPr>
-          <p:cNvPr id="38" name="TextBox 37">
-            <a:extLst>
-              <a:ext uri="{FF2B5EF4-FFF2-40B4-BE49-F238E27FC236}">
-                <a16:creationId xmlns:a16="http://schemas.microsoft.com/office/drawing/2014/main" id="{5509F8F4-C67E-4343-B2BD-A553A4537ECB}"/>
-              </a:ext>
-            </a:extLst>
-          </p:cNvPr>
-          <p:cNvSpPr txBox="1"/>
-          <p:nvPr/>
-        </p:nvSpPr>
-        <p:spPr>
-          <a:xfrm>
-            <a:off x="334962" y="6566370"/>
-            <a:ext cx="6280612" cy="161776"/>
-          </a:xfrm>
-          <a:prstGeom prst="rect">
-            <a:avLst/>
-          </a:prstGeom>
-          <a:noFill/>
-        </p:spPr>
-        <p:txBody>
-          <a:bodyPr wrap="square" lIns="0" tIns="0" rIns="0" bIns="0" rtlCol="0" anchor="t">
-            <a:spAutoFit/>
-          </a:bodyPr>
-          <a:lstStyle/>
-          <a:p>
-            <a:pPr lvl="0">
-              <a:lnSpc>
-                <a:spcPct val="150000"/>
-              </a:lnSpc>
-              <a:spcBef>
-                <a:spcPts val="1000"/>
-              </a:spcBef>
-              <a:buClr>
-                <a:srgbClr val="0B2340"/>
-              </a:buClr>
-              <a:buSzPts val="1800"/>
-              <a:defRPr/>
-            </a:pPr>
-            <a:r>
-              <a:rPr lang="en-US" sz="800" kern="0" dirty="0">
-                <a:solidFill>
-                  <a:schemeClr val="bg1"/>
-                </a:solidFill>
-                <a:ea typeface="Lato"/>
-                <a:cs typeface="Lato" panose="020F0502020204030203" pitchFamily="34" charset="0"/>
-                <a:sym typeface="Lato"/>
-              </a:rPr>
-              <a:t>Credit to : </a:t>
-            </a:r>
-            <a:r>
-              <a:rPr lang="en-US" sz="800" dirty="0">
-                <a:solidFill>
-                  <a:schemeClr val="bg1"/>
-                </a:solidFill>
-                <a:hlinkClick r:id="rId9">
-                  <a:extLst>
-                    <a:ext uri="{A12FA001-AC4F-418D-AE19-62706E023703}">
-                      <ahyp:hlinkClr xmlns:ahyp="http://schemas.microsoft.com/office/drawing/2018/hyperlinkcolor" val="tx"/>
-                    </a:ext>
-                  </a:extLst>
-                </a:hlinkClick>
-              </a:rPr>
-              <a:t>https://www.behance.net/diegocarbonell</a:t>
-            </a:r>
-            <a:endParaRPr lang="en-US" sz="800" kern="0" dirty="0">
-              <a:solidFill>
-                <a:schemeClr val="bg1"/>
-              </a:solidFill>
-              <a:ea typeface="Lato"/>
-              <a:cs typeface="Lato" panose="020F0502020204030203" pitchFamily="34" charset="0"/>
-              <a:sym typeface="Lato"/>
-            </a:endParaRPr>
-          </a:p>
-        </p:txBody>
-      </p:sp>
-      <p:pic>
-        <p:nvPicPr>
-          <p:cNvPr id="5" name="Picture 4" descr="A screenshot of a computer&#10;&#10;Description automatically generated">
-            <a:extLst>
-              <a:ext uri="{FF2B5EF4-FFF2-40B4-BE49-F238E27FC236}">
-                <a16:creationId xmlns:a16="http://schemas.microsoft.com/office/drawing/2014/main" id="{3FC66E9C-161D-8581-66D1-1B05A94DC967}"/>
-              </a:ext>
-            </a:extLst>
-          </p:cNvPr>
-          <p:cNvPicPr>
-            <a:picLocks noChangeAspect="1"/>
-          </p:cNvPicPr>
-          <p:nvPr/>
-        </p:nvPicPr>
-        <p:blipFill>
-          <a:blip r:embed="rId10">
-            <a:extLst>
-              <a:ext uri="{28A0092B-C50C-407E-A947-70E740481C1C}">
-                <a14:useLocalDpi xmlns:a14="http://schemas.microsoft.com/office/drawing/2010/main" val="0"/>
-              </a:ext>
-            </a:extLst>
-          </a:blip>
-          <a:stretch>
-            <a:fillRect/>
-          </a:stretch>
-        </p:blipFill>
-        <p:spPr>
-          <a:xfrm>
-            <a:off x="4811541" y="1404024"/>
-            <a:ext cx="7045496" cy="4852621"/>
-          </a:xfrm>
-          <a:prstGeom prst="rect">
-            <a:avLst/>
-          </a:prstGeom>
-        </p:spPr>
-      </p:pic>
-    </p:spTree>
-    <p:extLst>
-      <p:ext uri="{BB962C8B-B14F-4D97-AF65-F5344CB8AC3E}">
-        <p14:creationId xmlns:p14="http://schemas.microsoft.com/office/powerpoint/2010/main" val="3020213875"/>
-      </p:ext>
-    </p:extLst>
-  </p:cSld>
-  <p:clrMapOvr>
-    <a:masterClrMapping/>
-  </p:clrMapOvr>
-</p:sld>
-</file>
-
 <file path=ppt/slides/slide8.xml><?xml version="1.0" encoding="utf-8"?>
 <p:sld xmlns:a="http://schemas.openxmlformats.org/drawingml/2006/main" xmlns:r="http://schemas.openxmlformats.org/officeDocument/2006/relationships" xmlns:p="http://schemas.openxmlformats.org/presentationml/2006/main">
   <p:cSld>
@@ -46176,7 +46224,7 @@
         <p:spPr>
           <a:xfrm>
             <a:off x="334961" y="3051386"/>
-            <a:ext cx="3579814" cy="553998"/>
+            <a:ext cx="3579814" cy="1107996"/>
           </a:xfrm>
           <a:prstGeom prst="rect">
             <a:avLst/>
@@ -46189,6 +46237,7 @@
           </a:bodyPr>
           <a:lstStyle/>
           <a:p>
+            <a:pPr algn="ctr"/>
             <a:r>
               <a:rPr lang="en-US" sz="3600" b="1" dirty="0">
                 <a:solidFill>
@@ -46196,7 +46245,7 @@
                 </a:solidFill>
                 <a:latin typeface="+mj-lt"/>
               </a:rPr>
-              <a:t>How to use site:</a:t>
+              <a:t>How to launch site:</a:t>
             </a:r>
           </a:p>
         </p:txBody>
@@ -48428,6 +48477,286 @@
           </a:p>
         </p:txBody>
       </p:sp>
+      <p:pic>
+        <p:nvPicPr>
+          <p:cNvPr id="3" name="Picture 2" descr="A screenshot of a computer">
+            <a:extLst>
+              <a:ext uri="{FF2B5EF4-FFF2-40B4-BE49-F238E27FC236}">
+                <a16:creationId xmlns:a16="http://schemas.microsoft.com/office/drawing/2014/main" id="{B72782EE-3514-300D-A6C6-BAAE85A2E944}"/>
+              </a:ext>
+            </a:extLst>
+          </p:cNvPr>
+          <p:cNvPicPr>
+            <a:picLocks noChangeAspect="1"/>
+          </p:cNvPicPr>
+          <p:nvPr/>
+        </p:nvPicPr>
+        <p:blipFill>
+          <a:blip r:embed="rId13">
+            <a:extLst>
+              <a:ext uri="{28A0092B-C50C-407E-A947-70E740481C1C}">
+                <a14:useLocalDpi xmlns:a14="http://schemas.microsoft.com/office/drawing/2010/main" val="0"/>
+              </a:ext>
+            </a:extLst>
+          </a:blip>
+          <a:stretch>
+            <a:fillRect/>
+          </a:stretch>
+        </p:blipFill>
+        <p:spPr>
+          <a:xfrm>
+            <a:off x="4048041" y="707657"/>
+            <a:ext cx="8148010" cy="4960666"/>
+          </a:xfrm>
+          <a:prstGeom prst="rect">
+            <a:avLst/>
+          </a:prstGeom>
+        </p:spPr>
+      </p:pic>
+      <p:sp>
+        <p:nvSpPr>
+          <p:cNvPr id="5" name="Oval 4">
+            <a:extLst>
+              <a:ext uri="{FF2B5EF4-FFF2-40B4-BE49-F238E27FC236}">
+                <a16:creationId xmlns:a16="http://schemas.microsoft.com/office/drawing/2014/main" id="{E73D3D45-C1CD-0BB0-D635-F069CBFE272E}"/>
+              </a:ext>
+            </a:extLst>
+          </p:cNvPr>
+          <p:cNvSpPr/>
+          <p:nvPr/>
+        </p:nvSpPr>
+        <p:spPr>
+          <a:xfrm>
+            <a:off x="8775981" y="5282425"/>
+            <a:ext cx="2737826" cy="870306"/>
+          </a:xfrm>
+          <a:prstGeom prst="ellipse">
+            <a:avLst/>
+          </a:prstGeom>
+        </p:spPr>
+        <p:style>
+          <a:lnRef idx="2">
+            <a:schemeClr val="accent1">
+              <a:shade val="15000"/>
+            </a:schemeClr>
+          </a:lnRef>
+          <a:fillRef idx="1">
+            <a:schemeClr val="accent1"/>
+          </a:fillRef>
+          <a:effectRef idx="0">
+            <a:schemeClr val="accent1"/>
+          </a:effectRef>
+          <a:fontRef idx="minor">
+            <a:schemeClr val="lt1"/>
+          </a:fontRef>
+        </p:style>
+        <p:txBody>
+          <a:bodyPr rtlCol="0" anchor="ctr"/>
+          <a:lstStyle/>
+          <a:p>
+            <a:pPr algn="ctr"/>
+            <a:endParaRPr lang="en-US" dirty="0">
+              <a:ln w="0"/>
+              <a:solidFill>
+                <a:schemeClr val="tx1"/>
+              </a:solidFill>
+              <a:effectLst>
+                <a:outerShdw blurRad="38100" dist="19050" dir="2700000" algn="tl" rotWithShape="0">
+                  <a:schemeClr val="dk1">
+                    <a:alpha val="40000"/>
+                  </a:schemeClr>
+                </a:outerShdw>
+              </a:effectLst>
+            </a:endParaRPr>
+          </a:p>
+        </p:txBody>
+      </p:sp>
+      <p:sp>
+        <p:nvSpPr>
+          <p:cNvPr id="6" name="TextBox 5">
+            <a:extLst>
+              <a:ext uri="{FF2B5EF4-FFF2-40B4-BE49-F238E27FC236}">
+                <a16:creationId xmlns:a16="http://schemas.microsoft.com/office/drawing/2014/main" id="{F90EED8A-D708-6A6D-4CF8-C0FC26BFDD91}"/>
+              </a:ext>
+            </a:extLst>
+          </p:cNvPr>
+          <p:cNvSpPr txBox="1"/>
+          <p:nvPr/>
+        </p:nvSpPr>
+        <p:spPr>
+          <a:xfrm>
+            <a:off x="9266805" y="5388587"/>
+            <a:ext cx="1775682" cy="646331"/>
+          </a:xfrm>
+          <a:prstGeom prst="rect">
+            <a:avLst/>
+          </a:prstGeom>
+          <a:noFill/>
+        </p:spPr>
+        <p:txBody>
+          <a:bodyPr wrap="square" rtlCol="0">
+            <a:spAutoFit/>
+          </a:bodyPr>
+          <a:lstStyle/>
+          <a:p>
+            <a:pPr algn="ctr"/>
+            <a:r>
+              <a:rPr lang="en-US" b="1" dirty="0"/>
+              <a:t>Control and click to launch</a:t>
+            </a:r>
+          </a:p>
+        </p:txBody>
+      </p:sp>
+      <p:sp>
+        <p:nvSpPr>
+          <p:cNvPr id="7" name="Arrow: Right 6">
+            <a:extLst>
+              <a:ext uri="{FF2B5EF4-FFF2-40B4-BE49-F238E27FC236}">
+                <a16:creationId xmlns:a16="http://schemas.microsoft.com/office/drawing/2014/main" id="{4C16CAEB-A25D-EAB1-4721-7E2DAA262778}"/>
+              </a:ext>
+            </a:extLst>
+          </p:cNvPr>
+          <p:cNvSpPr/>
+          <p:nvPr/>
+        </p:nvSpPr>
+        <p:spPr>
+          <a:xfrm rot="16200000">
+            <a:off x="6646580" y="5046776"/>
+            <a:ext cx="884280" cy="1194576"/>
+          </a:xfrm>
+          <a:prstGeom prst="rightArrow">
+            <a:avLst/>
+          </a:prstGeom>
+        </p:spPr>
+        <p:style>
+          <a:lnRef idx="2">
+            <a:schemeClr val="accent1">
+              <a:shade val="15000"/>
+            </a:schemeClr>
+          </a:lnRef>
+          <a:fillRef idx="1">
+            <a:schemeClr val="accent1"/>
+          </a:fillRef>
+          <a:effectRef idx="0">
+            <a:schemeClr val="accent1"/>
+          </a:effectRef>
+          <a:fontRef idx="minor">
+            <a:schemeClr val="lt1"/>
+          </a:fontRef>
+        </p:style>
+        <p:txBody>
+          <a:bodyPr rtlCol="0" anchor="ctr"/>
+          <a:lstStyle/>
+          <a:p>
+            <a:pPr algn="ctr"/>
+            <a:endParaRPr lang="en-US" dirty="0"/>
+          </a:p>
+        </p:txBody>
+      </p:sp>
+      <p:sp>
+        <p:nvSpPr>
+          <p:cNvPr id="8" name="Oval 7">
+            <a:extLst>
+              <a:ext uri="{FF2B5EF4-FFF2-40B4-BE49-F238E27FC236}">
+                <a16:creationId xmlns:a16="http://schemas.microsoft.com/office/drawing/2014/main" id="{2268B154-722F-4540-C616-5BB478ECE25F}"/>
+              </a:ext>
+            </a:extLst>
+          </p:cNvPr>
+          <p:cNvSpPr/>
+          <p:nvPr/>
+        </p:nvSpPr>
+        <p:spPr>
+          <a:xfrm>
+            <a:off x="4077133" y="1457665"/>
+            <a:ext cx="1698369" cy="539040"/>
+          </a:xfrm>
+          <a:prstGeom prst="ellipse">
+            <a:avLst/>
+          </a:prstGeom>
+          <a:noFill/>
+          <a:ln w="57150">
+            <a:solidFill>
+              <a:srgbClr val="E98601"/>
+            </a:solidFill>
+          </a:ln>
+        </p:spPr>
+        <p:style>
+          <a:lnRef idx="2">
+            <a:schemeClr val="accent1">
+              <a:shade val="15000"/>
+            </a:schemeClr>
+          </a:lnRef>
+          <a:fillRef idx="1">
+            <a:schemeClr val="accent1"/>
+          </a:fillRef>
+          <a:effectRef idx="0">
+            <a:schemeClr val="accent1"/>
+          </a:effectRef>
+          <a:fontRef idx="minor">
+            <a:schemeClr val="lt1"/>
+          </a:fontRef>
+        </p:style>
+        <p:txBody>
+          <a:bodyPr rtlCol="0" anchor="ctr"/>
+          <a:lstStyle/>
+          <a:p>
+            <a:pPr algn="ctr"/>
+            <a:endParaRPr lang="en-US"/>
+          </a:p>
+        </p:txBody>
+      </p:sp>
+      <p:sp>
+        <p:nvSpPr>
+          <p:cNvPr id="11" name="Oval 10">
+            <a:extLst>
+              <a:ext uri="{FF2B5EF4-FFF2-40B4-BE49-F238E27FC236}">
+                <a16:creationId xmlns:a16="http://schemas.microsoft.com/office/drawing/2014/main" id="{43DB5646-1557-CD06-DC67-8EF8F89E1AA1}"/>
+              </a:ext>
+            </a:extLst>
+          </p:cNvPr>
+          <p:cNvSpPr/>
+          <p:nvPr/>
+        </p:nvSpPr>
+        <p:spPr>
+          <a:xfrm>
+            <a:off x="4077133" y="3649223"/>
+            <a:ext cx="1841792" cy="553998"/>
+          </a:xfrm>
+          <a:prstGeom prst="ellipse">
+            <a:avLst/>
+          </a:prstGeom>
+          <a:noFill/>
+          <a:ln w="57150">
+            <a:solidFill>
+              <a:srgbClr val="E98601"/>
+            </a:solidFill>
+          </a:ln>
+        </p:spPr>
+        <p:style>
+          <a:lnRef idx="2">
+            <a:schemeClr val="accent1">
+              <a:shade val="15000"/>
+            </a:schemeClr>
+          </a:lnRef>
+          <a:fillRef idx="1">
+            <a:schemeClr val="accent1"/>
+          </a:fillRef>
+          <a:effectRef idx="0">
+            <a:schemeClr val="accent1"/>
+          </a:effectRef>
+          <a:fontRef idx="minor">
+            <a:schemeClr val="lt1"/>
+          </a:fontRef>
+        </p:style>
+        <p:txBody>
+          <a:bodyPr rtlCol="0" anchor="ctr"/>
+          <a:lstStyle/>
+          <a:p>
+            <a:pPr algn="ctr"/>
+            <a:endParaRPr lang="en-US"/>
+          </a:p>
+        </p:txBody>
+      </p:sp>
     </p:spTree>
     <p:extLst>
       <p:ext uri="{BB962C8B-B14F-4D97-AF65-F5344CB8AC3E}">
@@ -48726,6 +49055,11 @@
           </p:cNvGraphicFramePr>
           <p:nvPr>
             <p:ph idx="1"/>
+            <p:extLst>
+              <p:ext uri="{D42A27DB-BD31-4B8C-83A1-F6EECF244321}">
+                <p14:modId xmlns:p14="http://schemas.microsoft.com/office/powerpoint/2010/main" val="2818099089"/>
+              </p:ext>
+            </p:extLst>
           </p:nvPr>
         </p:nvGraphicFramePr>
         <p:xfrm>
@@ -48990,7 +49324,14 @@
                     <a:bodyPr/>
                     <a:lstStyle/>
                     <a:p>
-                      <a:endParaRPr lang="en-US" dirty="0"/>
+                      <a:pPr marL="285750" indent="-285750" algn="l">
+                        <a:buFont typeface="Arial" panose="020B0604020202020204" pitchFamily="34" charset="0"/>
+                        <a:buChar char="•"/>
+                      </a:pPr>
+                      <a:r>
+                        <a:rPr lang="en-US" b="1" dirty="0"/>
+                        <a:t>Finding Data</a:t>
+                      </a:r>
                     </a:p>
                   </a:txBody>
                   <a:tcPr>
@@ -49056,7 +49397,18 @@
                     <a:bodyPr/>
                     <a:lstStyle/>
                     <a:p>
-                      <a:endParaRPr lang="en-US" dirty="0"/>
+                      <a:pPr marL="285750" indent="-285750" algn="l">
+                        <a:buFont typeface="Arial" panose="020B0604020202020204" pitchFamily="34" charset="0"/>
+                        <a:buChar char="•"/>
+                      </a:pPr>
+                      <a:r>
+                        <a:rPr lang="en-US" b="1" dirty="0" err="1"/>
+                        <a:t>SqliteDB</a:t>
+                      </a:r>
+                      <a:r>
+                        <a:rPr lang="en-US" b="1" dirty="0"/>
+                        <a:t> Pro database to house data</a:t>
+                      </a:r>
                     </a:p>
                   </a:txBody>
                   <a:tcPr>
@@ -49122,7 +49474,14 @@
                     <a:bodyPr/>
                     <a:lstStyle/>
                     <a:p>
-                      <a:endParaRPr lang="en-US" dirty="0"/>
+                      <a:pPr marL="285750" indent="-285750" algn="l">
+                        <a:buFont typeface="Arial" panose="020B0604020202020204" pitchFamily="34" charset="0"/>
+                        <a:buChar char="•"/>
+                      </a:pPr>
+                      <a:r>
+                        <a:rPr lang="en-US" b="1" dirty="0"/>
+                        <a:t>Launching site with Node.JS</a:t>
+                      </a:r>
                     </a:p>
                   </a:txBody>
                   <a:tcPr>
@@ -49195,7 +49554,14 @@
                     <a:bodyPr/>
                     <a:lstStyle/>
                     <a:p>
-                      <a:endParaRPr lang="en-US"/>
+                      <a:pPr marL="285750" indent="-285750" algn="l">
+                        <a:buFont typeface="Arial" panose="020B0604020202020204" pitchFamily="34" charset="0"/>
+                        <a:buChar char="•"/>
+                      </a:pPr>
+                      <a:r>
+                        <a:rPr lang="en-US" b="1" dirty="0"/>
+                        <a:t>100+ data records</a:t>
+                      </a:r>
                     </a:p>
                   </a:txBody>
                   <a:tcPr>
@@ -49261,7 +49627,14 @@
                     <a:bodyPr/>
                     <a:lstStyle/>
                     <a:p>
-                      <a:endParaRPr lang="en-US" dirty="0"/>
+                      <a:pPr marL="285750" indent="-285750" algn="l">
+                        <a:buFont typeface="Arial" panose="020B0604020202020204" pitchFamily="34" charset="0"/>
+                        <a:buChar char="•"/>
+                      </a:pPr>
+                      <a:r>
+                        <a:rPr lang="en-US" b="1" dirty="0"/>
+                        <a:t>Pulling from SQLite with Java</a:t>
+                      </a:r>
                     </a:p>
                   </a:txBody>
                   <a:tcPr>
@@ -49327,7 +49700,14 @@
                     <a:bodyPr/>
                     <a:lstStyle/>
                     <a:p>
-                      <a:endParaRPr lang="en-US" dirty="0"/>
+                      <a:pPr marL="285750" indent="-285750" algn="l">
+                        <a:buFont typeface="Arial" panose="020B0604020202020204" pitchFamily="34" charset="0"/>
+                        <a:buChar char="•"/>
+                      </a:pPr>
+                      <a:r>
+                        <a:rPr lang="en-US" b="1" dirty="0"/>
+                        <a:t>Making graphs with Charts.JS and Plotly.JS</a:t>
+                      </a:r>
                     </a:p>
                   </a:txBody>
                   <a:tcPr>
@@ -49400,7 +49780,14 @@
                     <a:bodyPr/>
                     <a:lstStyle/>
                     <a:p>
-                      <a:endParaRPr lang="en-US" dirty="0"/>
+                      <a:pPr marL="285750" indent="-285750" algn="l">
+                        <a:buFont typeface="Arial" panose="020B0604020202020204" pitchFamily="34" charset="0"/>
+                        <a:buChar char="•"/>
+                      </a:pPr>
+                      <a:r>
+                        <a:rPr lang="en-US" b="1" dirty="0"/>
+                        <a:t>Which database to store data with Java</a:t>
+                      </a:r>
                     </a:p>
                   </a:txBody>
                   <a:tcPr>
@@ -49464,7 +49851,14 @@
                     <a:bodyPr/>
                     <a:lstStyle/>
                     <a:p>
-                      <a:endParaRPr lang="en-US" dirty="0"/>
+                      <a:pPr marL="285750" indent="-285750" algn="l">
+                        <a:buFont typeface="Arial" panose="020B0604020202020204" pitchFamily="34" charset="0"/>
+                        <a:buChar char="•"/>
+                      </a:pPr>
+                      <a:r>
+                        <a:rPr lang="en-US" b="1" dirty="0"/>
+                        <a:t>Adding a Java library</a:t>
+                      </a:r>
                     </a:p>
                   </a:txBody>
                   <a:tcPr>
@@ -49528,7 +49922,14 @@
                     <a:bodyPr/>
                     <a:lstStyle/>
                     <a:p>
-                      <a:endParaRPr lang="en-US" dirty="0"/>
+                      <a:pPr marL="285750" indent="-285750" algn="l">
+                        <a:buFont typeface="Arial" panose="020B0604020202020204" pitchFamily="34" charset="0"/>
+                        <a:buChar char="•"/>
+                      </a:pPr>
+                      <a:r>
+                        <a:rPr lang="en-US" b="1" dirty="0"/>
+                        <a:t>Modifying graphs to fit site and usability</a:t>
+                      </a:r>
                     </a:p>
                   </a:txBody>
                   <a:tcPr>
@@ -49706,8 +50107,8 @@
         </p:nvSpPr>
         <p:spPr>
           <a:xfrm>
-            <a:off x="7518400" y="1705601"/>
-            <a:ext cx="4338637" cy="830997"/>
+            <a:off x="7518400" y="2016584"/>
+            <a:ext cx="4338637" cy="276999"/>
           </a:xfrm>
           <a:prstGeom prst="rect">
             <a:avLst/>
@@ -49725,154 +50126,13 @@
           <a:lstStyle/>
           <a:p>
             <a:r>
-              <a:rPr lang="en-US" dirty="0">
+              <a:rPr lang="en-US" b="1" dirty="0">
                 <a:solidFill>
                   <a:schemeClr val="bg1"/>
                 </a:solidFill>
               </a:rPr>
-              <a:t>Lorem ipsum dolor sit </a:t>
+              <a:t>GitHub and integrating our work</a:t>
             </a:r>
-            <a:r>
-              <a:rPr lang="en-US" dirty="0" err="1">
-                <a:solidFill>
-                  <a:schemeClr val="bg1"/>
-                </a:solidFill>
-              </a:rPr>
-              <a:t>amet</a:t>
-            </a:r>
-            <a:r>
-              <a:rPr lang="en-US" dirty="0">
-                <a:solidFill>
-                  <a:schemeClr val="bg1"/>
-                </a:solidFill>
-              </a:rPr>
-              <a:t>, </a:t>
-            </a:r>
-            <a:r>
-              <a:rPr lang="en-US" dirty="0" err="1">
-                <a:solidFill>
-                  <a:schemeClr val="bg1"/>
-                </a:solidFill>
-              </a:rPr>
-              <a:t>consectetur</a:t>
-            </a:r>
-            <a:r>
-              <a:rPr lang="en-US" dirty="0">
-                <a:solidFill>
-                  <a:schemeClr val="bg1"/>
-                </a:solidFill>
-              </a:rPr>
-              <a:t> </a:t>
-            </a:r>
-            <a:r>
-              <a:rPr lang="en-US" dirty="0" err="1">
-                <a:solidFill>
-                  <a:schemeClr val="bg1"/>
-                </a:solidFill>
-              </a:rPr>
-              <a:t>adipiscing</a:t>
-            </a:r>
-            <a:r>
-              <a:rPr lang="en-US" dirty="0">
-                <a:solidFill>
-                  <a:schemeClr val="bg1"/>
-                </a:solidFill>
-              </a:rPr>
-              <a:t> </a:t>
-            </a:r>
-            <a:r>
-              <a:rPr lang="en-US" dirty="0" err="1">
-                <a:solidFill>
-                  <a:schemeClr val="bg1"/>
-                </a:solidFill>
-              </a:rPr>
-              <a:t>elit</a:t>
-            </a:r>
-            <a:r>
-              <a:rPr lang="en-US" dirty="0">
-                <a:solidFill>
-                  <a:schemeClr val="bg1"/>
-                </a:solidFill>
-              </a:rPr>
-              <a:t>, sed do </a:t>
-            </a:r>
-            <a:r>
-              <a:rPr lang="en-US" dirty="0" err="1">
-                <a:solidFill>
-                  <a:schemeClr val="bg1"/>
-                </a:solidFill>
-              </a:rPr>
-              <a:t>eiusmod</a:t>
-            </a:r>
-            <a:r>
-              <a:rPr lang="en-US" dirty="0">
-                <a:solidFill>
-                  <a:schemeClr val="bg1"/>
-                </a:solidFill>
-              </a:rPr>
-              <a:t> </a:t>
-            </a:r>
-            <a:r>
-              <a:rPr lang="en-US" dirty="0" err="1">
-                <a:solidFill>
-                  <a:schemeClr val="bg1"/>
-                </a:solidFill>
-              </a:rPr>
-              <a:t>tempor</a:t>
-            </a:r>
-            <a:r>
-              <a:rPr lang="en-US" dirty="0">
-                <a:solidFill>
-                  <a:schemeClr val="bg1"/>
-                </a:solidFill>
-              </a:rPr>
-              <a:t> </a:t>
-            </a:r>
-            <a:r>
-              <a:rPr lang="en-US" dirty="0" err="1">
-                <a:solidFill>
-                  <a:schemeClr val="bg1"/>
-                </a:solidFill>
-              </a:rPr>
-              <a:t>incididunt</a:t>
-            </a:r>
-            <a:r>
-              <a:rPr lang="en-US" dirty="0">
-                <a:solidFill>
-                  <a:schemeClr val="bg1"/>
-                </a:solidFill>
-              </a:rPr>
-              <a:t> </a:t>
-            </a:r>
-            <a:r>
-              <a:rPr lang="en-US" dirty="0" err="1">
-                <a:solidFill>
-                  <a:schemeClr val="bg1"/>
-                </a:solidFill>
-              </a:rPr>
-              <a:t>ut</a:t>
-            </a:r>
-            <a:r>
-              <a:rPr lang="en-US" dirty="0">
-                <a:solidFill>
-                  <a:schemeClr val="bg1"/>
-                </a:solidFill>
-              </a:rPr>
-              <a:t> </a:t>
-            </a:r>
-            <a:r>
-              <a:rPr lang="en-US" dirty="0" err="1">
-                <a:solidFill>
-                  <a:schemeClr val="bg1"/>
-                </a:solidFill>
-              </a:rPr>
-              <a:t>labore</a:t>
-            </a:r>
-            <a:endParaRPr lang="en-US" dirty="0">
-              <a:solidFill>
-                <a:schemeClr val="bg1"/>
-              </a:solidFill>
-            </a:endParaRPr>
           </a:p>
         </p:txBody>
       </p:sp>
@@ -49890,8 +50150,8 @@
         </p:nvSpPr>
         <p:spPr>
           <a:xfrm>
-            <a:off x="7518400" y="3323762"/>
-            <a:ext cx="4338637" cy="830997"/>
+            <a:off x="7518400" y="3463080"/>
+            <a:ext cx="4338637" cy="553998"/>
           </a:xfrm>
           <a:prstGeom prst="rect">
             <a:avLst/>
@@ -49909,154 +50169,13 @@
           <a:lstStyle/>
           <a:p>
             <a:r>
-              <a:rPr lang="en-US" dirty="0">
+              <a:rPr lang="en-US" b="1" dirty="0">
                 <a:solidFill>
                   <a:schemeClr val="bg1"/>
                 </a:solidFill>
               </a:rPr>
-              <a:t>Lorem ipsum dolor sit </a:t>
+              <a:t>Choosing to use Java over Python (Nick’s cousin to the rescue!)</a:t>
             </a:r>
-            <a:r>
-              <a:rPr lang="en-US" dirty="0" err="1">
-                <a:solidFill>
-                  <a:schemeClr val="bg1"/>
-                </a:solidFill>
-              </a:rPr>
-              <a:t>amet</a:t>
-            </a:r>
-            <a:r>
-              <a:rPr lang="en-US" dirty="0">
-                <a:solidFill>
-                  <a:schemeClr val="bg1"/>
-                </a:solidFill>
-              </a:rPr>
-              <a:t>, </a:t>
-            </a:r>
-            <a:r>
-              <a:rPr lang="en-US" dirty="0" err="1">
-                <a:solidFill>
-                  <a:schemeClr val="bg1"/>
-                </a:solidFill>
-              </a:rPr>
-              <a:t>consectetur</a:t>
-            </a:r>
-            <a:r>
-              <a:rPr lang="en-US" dirty="0">
-                <a:solidFill>
-                  <a:schemeClr val="bg1"/>
-                </a:solidFill>
-              </a:rPr>
-              <a:t> </a:t>
-            </a:r>
-            <a:r>
-              <a:rPr lang="en-US" dirty="0" err="1">
-                <a:solidFill>
-                  <a:schemeClr val="bg1"/>
-                </a:solidFill>
-              </a:rPr>
-              <a:t>adipiscing</a:t>
-            </a:r>
-            <a:r>
-              <a:rPr lang="en-US" dirty="0">
-                <a:solidFill>
-                  <a:schemeClr val="bg1"/>
-                </a:solidFill>
-              </a:rPr>
-              <a:t> </a:t>
-            </a:r>
-            <a:r>
-              <a:rPr lang="en-US" dirty="0" err="1">
-                <a:solidFill>
-                  <a:schemeClr val="bg1"/>
-                </a:solidFill>
-              </a:rPr>
-              <a:t>elit</a:t>
-            </a:r>
-            <a:r>
-              <a:rPr lang="en-US" dirty="0">
-                <a:solidFill>
-                  <a:schemeClr val="bg1"/>
-                </a:solidFill>
-              </a:rPr>
-              <a:t>, sed do </a:t>
-            </a:r>
-            <a:r>
-              <a:rPr lang="en-US" dirty="0" err="1">
-                <a:solidFill>
-                  <a:schemeClr val="bg1"/>
-                </a:solidFill>
-              </a:rPr>
-              <a:t>eiusmod</a:t>
-            </a:r>
-            <a:r>
-              <a:rPr lang="en-US" dirty="0">
-                <a:solidFill>
-                  <a:schemeClr val="bg1"/>
-                </a:solidFill>
-              </a:rPr>
-              <a:t> </a:t>
-            </a:r>
-            <a:r>
-              <a:rPr lang="en-US" dirty="0" err="1">
-                <a:solidFill>
-                  <a:schemeClr val="bg1"/>
-                </a:solidFill>
-              </a:rPr>
-              <a:t>tempor</a:t>
-            </a:r>
-            <a:r>
-              <a:rPr lang="en-US" dirty="0">
-                <a:solidFill>
-                  <a:schemeClr val="bg1"/>
-                </a:solidFill>
-              </a:rPr>
-              <a:t> </a:t>
-            </a:r>
-            <a:r>
-              <a:rPr lang="en-US" dirty="0" err="1">
-                <a:solidFill>
-                  <a:schemeClr val="bg1"/>
-                </a:solidFill>
-              </a:rPr>
-              <a:t>incididunt</a:t>
-            </a:r>
-            <a:r>
-              <a:rPr lang="en-US" dirty="0">
-                <a:solidFill>
-                  <a:schemeClr val="bg1"/>
-                </a:solidFill>
-              </a:rPr>
-              <a:t> </a:t>
-            </a:r>
-            <a:r>
-              <a:rPr lang="en-US" dirty="0" err="1">
-                <a:solidFill>
-                  <a:schemeClr val="bg1"/>
-                </a:solidFill>
-              </a:rPr>
-              <a:t>ut</a:t>
-            </a:r>
-            <a:r>
-              <a:rPr lang="en-US" dirty="0">
-                <a:solidFill>
-                  <a:schemeClr val="bg1"/>
-                </a:solidFill>
-              </a:rPr>
-              <a:t> </a:t>
-            </a:r>
-            <a:r>
-              <a:rPr lang="en-US" dirty="0" err="1">
-                <a:solidFill>
-                  <a:schemeClr val="bg1"/>
-                </a:solidFill>
-              </a:rPr>
-              <a:t>labore</a:t>
-            </a:r>
-            <a:endParaRPr lang="en-US" dirty="0">
-              <a:solidFill>
-                <a:schemeClr val="bg1"/>
-              </a:solidFill>
-            </a:endParaRPr>
           </a:p>
         </p:txBody>
       </p:sp>
@@ -50074,8 +50193,8 @@
         </p:nvSpPr>
         <p:spPr>
           <a:xfrm>
-            <a:off x="7518400" y="4941923"/>
-            <a:ext cx="4338637" cy="830997"/>
+            <a:off x="7496766" y="5211318"/>
+            <a:ext cx="4338637" cy="307777"/>
           </a:xfrm>
           <a:prstGeom prst="rect">
             <a:avLst/>
@@ -50092,155 +50211,15 @@
           </a:bodyPr>
           <a:lstStyle/>
           <a:p>
+            <a:pPr algn="ctr"/>
             <a:r>
-              <a:rPr lang="en-US" dirty="0">
+              <a:rPr lang="en-US" sz="2000" b="1" dirty="0">
                 <a:solidFill>
                   <a:schemeClr val="bg1"/>
                 </a:solidFill>
               </a:rPr>
-              <a:t>Lorem ipsum dolor sit </a:t>
+              <a:t>Presenting on time…. ;-)</a:t>
             </a:r>
-            <a:r>
-              <a:rPr lang="en-US" dirty="0" err="1">
-                <a:solidFill>
-                  <a:schemeClr val="bg1"/>
-                </a:solidFill>
-              </a:rPr>
-              <a:t>amet</a:t>
-            </a:r>
-            <a:r>
-              <a:rPr lang="en-US" dirty="0">
-                <a:solidFill>
-                  <a:schemeClr val="bg1"/>
-                </a:solidFill>
-              </a:rPr>
-              <a:t>, </a:t>
-            </a:r>
-            <a:r>
-              <a:rPr lang="en-US" dirty="0" err="1">
-                <a:solidFill>
-                  <a:schemeClr val="bg1"/>
-                </a:solidFill>
-              </a:rPr>
-              <a:t>consectetur</a:t>
-            </a:r>
-            <a:r>
-              <a:rPr lang="en-US" dirty="0">
-                <a:solidFill>
-                  <a:schemeClr val="bg1"/>
-                </a:solidFill>
-              </a:rPr>
-              <a:t> </a:t>
-            </a:r>
-            <a:r>
-              <a:rPr lang="en-US" dirty="0" err="1">
-                <a:solidFill>
-                  <a:schemeClr val="bg1"/>
-                </a:solidFill>
-              </a:rPr>
-              <a:t>adipiscing</a:t>
-            </a:r>
-            <a:r>
-              <a:rPr lang="en-US" dirty="0">
-                <a:solidFill>
-                  <a:schemeClr val="bg1"/>
-                </a:solidFill>
-              </a:rPr>
-              <a:t> </a:t>
-            </a:r>
-            <a:r>
-              <a:rPr lang="en-US" dirty="0" err="1">
-                <a:solidFill>
-                  <a:schemeClr val="bg1"/>
-                </a:solidFill>
-              </a:rPr>
-              <a:t>elit</a:t>
-            </a:r>
-            <a:r>
-              <a:rPr lang="en-US" dirty="0">
-                <a:solidFill>
-                  <a:schemeClr val="bg1"/>
-                </a:solidFill>
-              </a:rPr>
-              <a:t>, sed do </a:t>
-            </a:r>
-            <a:r>
-              <a:rPr lang="en-US" dirty="0" err="1">
-                <a:solidFill>
-                  <a:schemeClr val="bg1"/>
-                </a:solidFill>
-              </a:rPr>
-              <a:t>eiusmod</a:t>
-            </a:r>
-            <a:r>
-              <a:rPr lang="en-US" dirty="0">
-                <a:solidFill>
-                  <a:schemeClr val="bg1"/>
-                </a:solidFill>
-              </a:rPr>
-              <a:t> </a:t>
-            </a:r>
-            <a:r>
-              <a:rPr lang="en-US" dirty="0" err="1">
-                <a:solidFill>
-                  <a:schemeClr val="bg1"/>
-                </a:solidFill>
-              </a:rPr>
-              <a:t>tempor</a:t>
-            </a:r>
-            <a:r>
-              <a:rPr lang="en-US" dirty="0">
-                <a:solidFill>
-                  <a:schemeClr val="bg1"/>
-                </a:solidFill>
-              </a:rPr>
-              <a:t> </a:t>
-            </a:r>
-            <a:r>
-              <a:rPr lang="en-US" dirty="0" err="1">
-                <a:solidFill>
-                  <a:schemeClr val="bg1"/>
-                </a:solidFill>
-              </a:rPr>
-              <a:t>incididunt</a:t>
-            </a:r>
-            <a:r>
-              <a:rPr lang="en-US" dirty="0">
-                <a:solidFill>
-                  <a:schemeClr val="bg1"/>
-                </a:solidFill>
-              </a:rPr>
-              <a:t> </a:t>
-            </a:r>
-            <a:r>
-              <a:rPr lang="en-US" dirty="0" err="1">
-                <a:solidFill>
-                  <a:schemeClr val="bg1"/>
-                </a:solidFill>
-              </a:rPr>
-              <a:t>ut</a:t>
-            </a:r>
-            <a:r>
-              <a:rPr lang="en-US" dirty="0">
-                <a:solidFill>
-                  <a:schemeClr val="bg1"/>
-                </a:solidFill>
-              </a:rPr>
-              <a:t> </a:t>
-            </a:r>
-            <a:r>
-              <a:rPr lang="en-US" dirty="0" err="1">
-                <a:solidFill>
-                  <a:schemeClr val="bg1"/>
-                </a:solidFill>
-              </a:rPr>
-              <a:t>labore</a:t>
-            </a:r>
-            <a:endParaRPr lang="en-US" dirty="0">
-              <a:solidFill>
-                <a:schemeClr val="bg1"/>
-              </a:solidFill>
-            </a:endParaRPr>
           </a:p>
         </p:txBody>
       </p:sp>
